--- a/PPT/第二部分 软件测试技术/3.7  黑盒测试技术 -状态迁移法.pptx
+++ b/PPT/第二部分 软件测试技术/3.7  黑盒测试技术 -状态迁移法.pptx
@@ -5,10 +5,10 @@
     <p:sldMasterId id="2147483648" r:id="rId1"/>
   </p:sldMasterIdLst>
   <p:notesMasterIdLst>
-    <p:notesMasterId r:id="rId17"/>
+    <p:notesMasterId r:id="rId16"/>
   </p:notesMasterIdLst>
   <p:handoutMasterIdLst>
-    <p:handoutMasterId r:id="rId18"/>
+    <p:handoutMasterId r:id="rId17"/>
   </p:handoutMasterIdLst>
   <p:sldIdLst>
     <p:sldId id="256" r:id="rId2"/>
@@ -22,10 +22,9 @@
     <p:sldId id="338" r:id="rId10"/>
     <p:sldId id="339" r:id="rId11"/>
     <p:sldId id="358" r:id="rId12"/>
-    <p:sldId id="354" r:id="rId13"/>
-    <p:sldId id="341" r:id="rId14"/>
-    <p:sldId id="342" r:id="rId15"/>
-    <p:sldId id="316" r:id="rId16"/>
+    <p:sldId id="341" r:id="rId13"/>
+    <p:sldId id="342" r:id="rId14"/>
+    <p:sldId id="316" r:id="rId15"/>
   </p:sldIdLst>
   <p:sldSz cx="9144000" cy="6858000" type="screen4x3"/>
   <p:notesSz cx="6858000" cy="9144000"/>
@@ -5519,157 +5518,6 @@
       </p:grpSpPr>
       <p:sp>
         <p:nvSpPr>
-          <p:cNvPr id="3074" name="Rectangle 6"/>
-          <p:cNvSpPr>
-            <a:spLocks noGrp="1" noChangeArrowheads="1"/>
-          </p:cNvSpPr>
-          <p:nvPr>
-            <p:ph type="sldNum" sz="quarter" idx="12"/>
-          </p:nvPr>
-        </p:nvSpPr>
-        <p:spPr>
-          <a:noFill/>
-          <a:extLst>
-            <a:ext uri="{909E8E84-426E-40DD-AFC4-6F175D3DCCD1}">
-              <a14:hiddenFill xmlns:a14="http://schemas.microsoft.com/office/drawing/2010/main">
-                <a:solidFill>
-                  <a:srgbClr val="FFFFFF"/>
-                </a:solidFill>
-              </a14:hiddenFill>
-            </a:ext>
-            <a:ext uri="{91240B29-F687-4F45-9708-019B960494DF}">
-              <a14:hiddenLine xmlns:a14="http://schemas.microsoft.com/office/drawing/2010/main" w="9525">
-                <a:solidFill>
-                  <a:srgbClr val="000000"/>
-                </a:solidFill>
-                <a:miter lim="800000"/>
-                <a:headEnd/>
-                <a:tailEnd/>
-              </a14:hiddenLine>
-            </a:ext>
-          </a:extLst>
-        </p:spPr>
-        <p:txBody>
-          <a:bodyPr/>
-          <a:lstStyle>
-            <a:lvl1pPr eaLnBrk="0" hangingPunct="0">
-              <a:defRPr>
-                <a:solidFill>
-                  <a:schemeClr val="tx1"/>
-                </a:solidFill>
-                <a:latin typeface="Verdana" panose="020B0604030504040204" pitchFamily="34" charset="0"/>
-                <a:ea typeface="宋体" panose="02010600030101010101" pitchFamily="2" charset="-122"/>
-              </a:defRPr>
-            </a:lvl1pPr>
-            <a:lvl2pPr marL="742950" indent="-285750" eaLnBrk="0" hangingPunct="0">
-              <a:defRPr>
-                <a:solidFill>
-                  <a:schemeClr val="tx1"/>
-                </a:solidFill>
-                <a:latin typeface="Verdana" panose="020B0604030504040204" pitchFamily="34" charset="0"/>
-                <a:ea typeface="宋体" panose="02010600030101010101" pitchFamily="2" charset="-122"/>
-              </a:defRPr>
-            </a:lvl2pPr>
-            <a:lvl3pPr marL="1143000" indent="-228600" eaLnBrk="0" hangingPunct="0">
-              <a:defRPr>
-                <a:solidFill>
-                  <a:schemeClr val="tx1"/>
-                </a:solidFill>
-                <a:latin typeface="Verdana" panose="020B0604030504040204" pitchFamily="34" charset="0"/>
-                <a:ea typeface="宋体" panose="02010600030101010101" pitchFamily="2" charset="-122"/>
-              </a:defRPr>
-            </a:lvl3pPr>
-            <a:lvl4pPr marL="1600200" indent="-228600" eaLnBrk="0" hangingPunct="0">
-              <a:defRPr>
-                <a:solidFill>
-                  <a:schemeClr val="tx1"/>
-                </a:solidFill>
-                <a:latin typeface="Verdana" panose="020B0604030504040204" pitchFamily="34" charset="0"/>
-                <a:ea typeface="宋体" panose="02010600030101010101" pitchFamily="2" charset="-122"/>
-              </a:defRPr>
-            </a:lvl4pPr>
-            <a:lvl5pPr marL="2057400" indent="-228600" eaLnBrk="0" hangingPunct="0">
-              <a:defRPr>
-                <a:solidFill>
-                  <a:schemeClr val="tx1"/>
-                </a:solidFill>
-                <a:latin typeface="Verdana" panose="020B0604030504040204" pitchFamily="34" charset="0"/>
-                <a:ea typeface="宋体" panose="02010600030101010101" pitchFamily="2" charset="-122"/>
-              </a:defRPr>
-            </a:lvl5pPr>
-            <a:lvl6pPr marL="2514600" indent="-228600" eaLnBrk="0" fontAlgn="base" hangingPunct="0">
-              <a:spcBef>
-                <a:spcPct val="0"/>
-              </a:spcBef>
-              <a:spcAft>
-                <a:spcPct val="0"/>
-              </a:spcAft>
-              <a:defRPr>
-                <a:solidFill>
-                  <a:schemeClr val="tx1"/>
-                </a:solidFill>
-                <a:latin typeface="Verdana" panose="020B0604030504040204" pitchFamily="34" charset="0"/>
-                <a:ea typeface="宋体" panose="02010600030101010101" pitchFamily="2" charset="-122"/>
-              </a:defRPr>
-            </a:lvl6pPr>
-            <a:lvl7pPr marL="2971800" indent="-228600" eaLnBrk="0" fontAlgn="base" hangingPunct="0">
-              <a:spcBef>
-                <a:spcPct val="0"/>
-              </a:spcBef>
-              <a:spcAft>
-                <a:spcPct val="0"/>
-              </a:spcAft>
-              <a:defRPr>
-                <a:solidFill>
-                  <a:schemeClr val="tx1"/>
-                </a:solidFill>
-                <a:latin typeface="Verdana" panose="020B0604030504040204" pitchFamily="34" charset="0"/>
-                <a:ea typeface="宋体" panose="02010600030101010101" pitchFamily="2" charset="-122"/>
-              </a:defRPr>
-            </a:lvl7pPr>
-            <a:lvl8pPr marL="3429000" indent="-228600" eaLnBrk="0" fontAlgn="base" hangingPunct="0">
-              <a:spcBef>
-                <a:spcPct val="0"/>
-              </a:spcBef>
-              <a:spcAft>
-                <a:spcPct val="0"/>
-              </a:spcAft>
-              <a:defRPr>
-                <a:solidFill>
-                  <a:schemeClr val="tx1"/>
-                </a:solidFill>
-                <a:latin typeface="Verdana" panose="020B0604030504040204" pitchFamily="34" charset="0"/>
-                <a:ea typeface="宋体" panose="02010600030101010101" pitchFamily="2" charset="-122"/>
-              </a:defRPr>
-            </a:lvl8pPr>
-            <a:lvl9pPr marL="3886200" indent="-228600" eaLnBrk="0" fontAlgn="base" hangingPunct="0">
-              <a:spcBef>
-                <a:spcPct val="0"/>
-              </a:spcBef>
-              <a:spcAft>
-                <a:spcPct val="0"/>
-              </a:spcAft>
-              <a:defRPr>
-                <a:solidFill>
-                  <a:schemeClr val="tx1"/>
-                </a:solidFill>
-                <a:latin typeface="Verdana" panose="020B0604030504040204" pitchFamily="34" charset="0"/>
-                <a:ea typeface="宋体" panose="02010600030101010101" pitchFamily="2" charset="-122"/>
-              </a:defRPr>
-            </a:lvl9pPr>
-          </a:lstStyle>
-          <a:p>
-            <a:pPr eaLnBrk="1" hangingPunct="1"/>
-            <a:fld id="{CF3F84FD-A9EF-411A-AD41-005FD50D6B7A}" type="slidenum">
-              <a:rPr lang="en-US" altLang="zh-CN" smtClean="0"/>
-              <a:t>1</a:t>
-            </a:fld>
-            <a:endParaRPr lang="en-US" altLang="zh-CN" smtClean="0"/>
-          </a:p>
-        </p:txBody>
-      </p:sp>
-      <p:sp>
-        <p:nvSpPr>
           <p:cNvPr id="3075" name="Rectangle 2"/>
           <p:cNvSpPr>
             <a:spLocks noGrp="1" noChangeArrowheads="1"/>
@@ -5755,6 +5603,13 @@
     <a:masterClrMapping/>
   </p:clrMapOvr>
   <p:transition/>
+  <p:timing>
+    <p:tnLst>
+      <p:par>
+        <p:cTn id="1" dur="indefinite" restart="never" nodeType="tmRoot"/>
+      </p:par>
+    </p:tnLst>
+  </p:timing>
 </p:sld>
 </file>
 
@@ -6924,7 +6779,7 @@
                 <a:latin typeface="黑体" panose="02010609060101010101" pitchFamily="2" charset="-122"/>
                 <a:ea typeface="黑体" panose="02010609060101010101" pitchFamily="2" charset="-122"/>
               </a:rPr>
-              <a:t>3.8 </a:t>
+              <a:t>3.7 </a:t>
             </a:r>
             <a:r>
               <a:rPr lang="zh-CN" altLang="en-US" b="1" dirty="0" smtClean="0">
@@ -7457,25 +7312,338 @@
       </p:grpSpPr>
       <p:sp>
         <p:nvSpPr>
-          <p:cNvPr id="3" name="内容占位符 2"/>
-          <p:cNvSpPr>
-            <a:spLocks noGrp="1"/>
-          </p:cNvSpPr>
-          <p:nvPr>
-            <p:ph sz="half" idx="1"/>
-          </p:nvPr>
+          <p:cNvPr id="2" name="矩形 1"/>
+          <p:cNvSpPr/>
+          <p:nvPr/>
         </p:nvSpPr>
         <p:spPr>
           <a:xfrm>
-            <a:off x="467544" y="1916832"/>
-            <a:ext cx="7972425" cy="5730875"/>
+            <a:off x="323529" y="1844824"/>
+            <a:ext cx="8820471" cy="1618905"/>
           </a:xfrm>
+          <a:prstGeom prst="rect">
+            <a:avLst/>
+          </a:prstGeom>
         </p:spPr>
         <p:txBody>
-          <a:bodyPr/>
+          <a:bodyPr wrap="square">
+            <a:spAutoFit/>
+          </a:bodyPr>
           <a:lstStyle/>
           <a:p>
-            <a:endParaRPr lang="zh-CN" altLang="en-US" dirty="0"/>
+            <a:pPr marL="469900" indent="-469900" eaLnBrk="0" hangingPunct="0">
+              <a:spcBef>
+                <a:spcPct val="20000"/>
+              </a:spcBef>
+              <a:buClr>
+                <a:schemeClr val="accent2"/>
+              </a:buClr>
+              <a:buFont typeface="Wingdings" panose="05000000000000000000" pitchFamily="2" charset="2"/>
+              <a:buChar char="o"/>
+            </a:pPr>
+            <a:r>
+              <a:rPr lang="zh-CN" altLang="en-US" sz="3100" b="1" dirty="0" smtClean="0">
+                <a:latin typeface="宋体" panose="02010600030101010101" pitchFamily="2" charset="-122"/>
+                <a:cs typeface="+mj-cs"/>
+              </a:rPr>
+              <a:t>练习</a:t>
+            </a:r>
+            <a:r>
+              <a:rPr lang="en-US" altLang="zh-CN" sz="3100" b="1" dirty="0" smtClean="0">
+                <a:latin typeface="宋体" panose="02010600030101010101" pitchFamily="2" charset="-122"/>
+                <a:cs typeface="+mj-cs"/>
+              </a:rPr>
+              <a:t>1</a:t>
+            </a:r>
+            <a:r>
+              <a:rPr lang="zh-CN" altLang="en-US" sz="3100" b="1" dirty="0" smtClean="0">
+                <a:latin typeface="宋体" panose="02010600030101010101" pitchFamily="2" charset="-122"/>
+                <a:cs typeface="+mj-cs"/>
+              </a:rPr>
+              <a:t>：完成</a:t>
+            </a:r>
+            <a:r>
+              <a:rPr lang="zh-CN" altLang="en-US" sz="3100" b="1" dirty="0">
+                <a:latin typeface="宋体" panose="02010600030101010101" pitchFamily="2" charset="-122"/>
+                <a:cs typeface="+mj-cs"/>
+              </a:rPr>
+              <a:t>栈程序的用例</a:t>
+            </a:r>
+            <a:r>
+              <a:rPr lang="zh-CN" altLang="en-US" sz="3100" b="1" dirty="0" smtClean="0">
+                <a:latin typeface="宋体" panose="02010600030101010101" pitchFamily="2" charset="-122"/>
+                <a:cs typeface="+mj-cs"/>
+              </a:rPr>
+              <a:t>设计</a:t>
+            </a:r>
+            <a:endParaRPr lang="en-US" altLang="zh-CN" sz="3100" b="1" dirty="0" smtClean="0">
+              <a:latin typeface="宋体" panose="02010600030101010101" pitchFamily="2" charset="-122"/>
+              <a:cs typeface="+mj-cs"/>
+            </a:endParaRPr>
+          </a:p>
+          <a:p>
+            <a:pPr marL="469900" indent="-469900" eaLnBrk="0" hangingPunct="0">
+              <a:spcBef>
+                <a:spcPct val="20000"/>
+              </a:spcBef>
+              <a:buClr>
+                <a:schemeClr val="accent2"/>
+              </a:buClr>
+              <a:buFont typeface="Wingdings" panose="05000000000000000000" pitchFamily="2" charset="2"/>
+              <a:buChar char="o"/>
+            </a:pPr>
+            <a:r>
+              <a:rPr lang="zh-CN" altLang="en-US" sz="3100" b="1" dirty="0" smtClean="0">
+                <a:latin typeface="宋体" panose="02010600030101010101" pitchFamily="2" charset="-122"/>
+                <a:cs typeface="+mj-cs"/>
+              </a:rPr>
+              <a:t>练习</a:t>
+            </a:r>
+            <a:r>
+              <a:rPr lang="en-US" altLang="zh-CN" sz="3100" b="1" dirty="0" smtClean="0">
+                <a:latin typeface="宋体" panose="02010600030101010101" pitchFamily="2" charset="-122"/>
+                <a:cs typeface="+mj-cs"/>
+              </a:rPr>
+              <a:t>2</a:t>
+            </a:r>
+            <a:r>
+              <a:rPr lang="zh-CN" altLang="en-US" sz="3100" b="1" dirty="0" smtClean="0">
+                <a:latin typeface="宋体" panose="02010600030101010101" pitchFamily="2" charset="-122"/>
+                <a:cs typeface="+mj-cs"/>
+              </a:rPr>
+              <a:t>：完成</a:t>
+            </a:r>
+            <a:r>
+              <a:rPr lang="en-US" altLang="zh-CN" sz="3100" b="1" dirty="0" err="1" smtClean="0">
+                <a:latin typeface="宋体" panose="02010600030101010101" pitchFamily="2" charset="-122"/>
+                <a:cs typeface="+mj-cs"/>
+              </a:rPr>
+              <a:t>QQ</a:t>
+            </a:r>
+            <a:r>
+              <a:rPr lang="zh-CN" altLang="en-US" sz="3100" b="1" dirty="0" smtClean="0">
+                <a:latin typeface="宋体" panose="02010600030101010101" pitchFamily="2" charset="-122"/>
+                <a:cs typeface="+mj-cs"/>
+              </a:rPr>
+              <a:t>登录界面，各种设置进行状态图的用例设计</a:t>
+            </a:r>
+            <a:endParaRPr lang="zh-CN" altLang="en-US" sz="3100" b="1" dirty="0">
+              <a:latin typeface="宋体" panose="02010600030101010101" pitchFamily="2" charset="-122"/>
+              <a:cs typeface="+mj-cs"/>
+            </a:endParaRPr>
+          </a:p>
+        </p:txBody>
+      </p:sp>
+      <p:sp>
+        <p:nvSpPr>
+          <p:cNvPr id="5" name="Rectangle 2"/>
+          <p:cNvSpPr txBox="1">
+            <a:spLocks noChangeArrowheads="1"/>
+          </p:cNvSpPr>
+          <p:nvPr/>
+        </p:nvSpPr>
+        <p:spPr bwMode="auto">
+          <a:xfrm>
+            <a:off x="574675" y="304800"/>
+            <a:ext cx="8001000" cy="1216025"/>
+          </a:xfrm>
+          <a:prstGeom prst="rect">
+            <a:avLst/>
+          </a:prstGeom>
+          <a:noFill/>
+          <a:ln>
+            <a:noFill/>
+          </a:ln>
+          <a:extLst>
+            <a:ext uri="{909E8E84-426E-40DD-AFC4-6F175D3DCCD1}">
+              <a14:hiddenFill xmlns:a14="http://schemas.microsoft.com/office/drawing/2010/main">
+                <a:solidFill>
+                  <a:srgbClr val="FFFFFF"/>
+                </a:solidFill>
+              </a14:hiddenFill>
+            </a:ext>
+            <a:ext uri="{91240B29-F687-4F45-9708-019B960494DF}">
+              <a14:hiddenLine xmlns:a14="http://schemas.microsoft.com/office/drawing/2010/main" w="9525">
+                <a:solidFill>
+                  <a:srgbClr val="000000"/>
+                </a:solidFill>
+                <a:miter lim="800000"/>
+                <a:headEnd/>
+                <a:tailEnd/>
+              </a14:hiddenLine>
+            </a:ext>
+          </a:extLst>
+        </p:spPr>
+        <p:txBody>
+          <a:bodyPr vert="horz" wrap="square" lIns="91440" tIns="45720" rIns="91440" bIns="45720" numCol="1" anchor="b" anchorCtr="0" compatLnSpc="1"/>
+          <a:lstStyle>
+            <a:lvl1pPr algn="l" rtl="0" eaLnBrk="0" fontAlgn="base" hangingPunct="0">
+              <a:spcBef>
+                <a:spcPct val="0"/>
+              </a:spcBef>
+              <a:spcAft>
+                <a:spcPct val="0"/>
+              </a:spcAft>
+              <a:defRPr sz="3800">
+                <a:solidFill>
+                  <a:schemeClr val="tx2"/>
+                </a:solidFill>
+                <a:latin typeface="+mj-lt"/>
+                <a:ea typeface="+mj-ea"/>
+                <a:cs typeface="+mj-cs"/>
+              </a:defRPr>
+            </a:lvl1pPr>
+            <a:lvl2pPr algn="l" rtl="0" eaLnBrk="0" fontAlgn="base" hangingPunct="0">
+              <a:spcBef>
+                <a:spcPct val="0"/>
+              </a:spcBef>
+              <a:spcAft>
+                <a:spcPct val="0"/>
+              </a:spcAft>
+              <a:defRPr sz="3800">
+                <a:solidFill>
+                  <a:schemeClr val="tx2"/>
+                </a:solidFill>
+                <a:latin typeface="Verdana" panose="020B0604030504040204" pitchFamily="34" charset="0"/>
+                <a:ea typeface="宋体" panose="02010600030101010101" pitchFamily="2" charset="-122"/>
+              </a:defRPr>
+            </a:lvl2pPr>
+            <a:lvl3pPr algn="l" rtl="0" eaLnBrk="0" fontAlgn="base" hangingPunct="0">
+              <a:spcBef>
+                <a:spcPct val="0"/>
+              </a:spcBef>
+              <a:spcAft>
+                <a:spcPct val="0"/>
+              </a:spcAft>
+              <a:defRPr sz="3800">
+                <a:solidFill>
+                  <a:schemeClr val="tx2"/>
+                </a:solidFill>
+                <a:latin typeface="Verdana" panose="020B0604030504040204" pitchFamily="34" charset="0"/>
+                <a:ea typeface="宋体" panose="02010600030101010101" pitchFamily="2" charset="-122"/>
+              </a:defRPr>
+            </a:lvl3pPr>
+            <a:lvl4pPr algn="l" rtl="0" eaLnBrk="0" fontAlgn="base" hangingPunct="0">
+              <a:spcBef>
+                <a:spcPct val="0"/>
+              </a:spcBef>
+              <a:spcAft>
+                <a:spcPct val="0"/>
+              </a:spcAft>
+              <a:defRPr sz="3800">
+                <a:solidFill>
+                  <a:schemeClr val="tx2"/>
+                </a:solidFill>
+                <a:latin typeface="Verdana" panose="020B0604030504040204" pitchFamily="34" charset="0"/>
+                <a:ea typeface="宋体" panose="02010600030101010101" pitchFamily="2" charset="-122"/>
+              </a:defRPr>
+            </a:lvl4pPr>
+            <a:lvl5pPr algn="l" rtl="0" eaLnBrk="0" fontAlgn="base" hangingPunct="0">
+              <a:spcBef>
+                <a:spcPct val="0"/>
+              </a:spcBef>
+              <a:spcAft>
+                <a:spcPct val="0"/>
+              </a:spcAft>
+              <a:defRPr sz="3800">
+                <a:solidFill>
+                  <a:schemeClr val="tx2"/>
+                </a:solidFill>
+                <a:latin typeface="Verdana" panose="020B0604030504040204" pitchFamily="34" charset="0"/>
+                <a:ea typeface="宋体" panose="02010600030101010101" pitchFamily="2" charset="-122"/>
+              </a:defRPr>
+            </a:lvl5pPr>
+            <a:lvl6pPr marL="457200" algn="l" rtl="0" fontAlgn="base">
+              <a:spcBef>
+                <a:spcPct val="0"/>
+              </a:spcBef>
+              <a:spcAft>
+                <a:spcPct val="0"/>
+              </a:spcAft>
+              <a:defRPr sz="3800">
+                <a:solidFill>
+                  <a:schemeClr val="tx2"/>
+                </a:solidFill>
+                <a:latin typeface="Verdana" panose="020B0604030504040204" pitchFamily="34" charset="0"/>
+                <a:ea typeface="宋体" panose="02010600030101010101" pitchFamily="2" charset="-122"/>
+              </a:defRPr>
+            </a:lvl6pPr>
+            <a:lvl7pPr marL="914400" algn="l" rtl="0" fontAlgn="base">
+              <a:spcBef>
+                <a:spcPct val="0"/>
+              </a:spcBef>
+              <a:spcAft>
+                <a:spcPct val="0"/>
+              </a:spcAft>
+              <a:defRPr sz="3800">
+                <a:solidFill>
+                  <a:schemeClr val="tx2"/>
+                </a:solidFill>
+                <a:latin typeface="Verdana" panose="020B0604030504040204" pitchFamily="34" charset="0"/>
+                <a:ea typeface="宋体" panose="02010600030101010101" pitchFamily="2" charset="-122"/>
+              </a:defRPr>
+            </a:lvl7pPr>
+            <a:lvl8pPr marL="1371600" algn="l" rtl="0" fontAlgn="base">
+              <a:spcBef>
+                <a:spcPct val="0"/>
+              </a:spcBef>
+              <a:spcAft>
+                <a:spcPct val="0"/>
+              </a:spcAft>
+              <a:defRPr sz="3800">
+                <a:solidFill>
+                  <a:schemeClr val="tx2"/>
+                </a:solidFill>
+                <a:latin typeface="Verdana" panose="020B0604030504040204" pitchFamily="34" charset="0"/>
+                <a:ea typeface="宋体" panose="02010600030101010101" pitchFamily="2" charset="-122"/>
+              </a:defRPr>
+            </a:lvl8pPr>
+            <a:lvl9pPr marL="1828800" algn="l" rtl="0" fontAlgn="base">
+              <a:spcBef>
+                <a:spcPct val="0"/>
+              </a:spcBef>
+              <a:spcAft>
+                <a:spcPct val="0"/>
+              </a:spcAft>
+              <a:defRPr sz="3800">
+                <a:solidFill>
+                  <a:schemeClr val="tx2"/>
+                </a:solidFill>
+                <a:latin typeface="Verdana" panose="020B0604030504040204" pitchFamily="34" charset="0"/>
+                <a:ea typeface="宋体" panose="02010600030101010101" pitchFamily="2" charset="-122"/>
+              </a:defRPr>
+            </a:lvl9pPr>
+          </a:lstStyle>
+          <a:p>
+            <a:pPr eaLnBrk="1" hangingPunct="1"/>
+            <a:r>
+              <a:rPr lang="en-US" altLang="zh-CN" b="1" dirty="0" smtClean="0">
+                <a:latin typeface="黑体" panose="02010609060101010101" pitchFamily="2" charset="-122"/>
+                <a:ea typeface="黑体" panose="02010609060101010101" pitchFamily="2" charset="-122"/>
+              </a:rPr>
+              <a:t>3.7 </a:t>
+            </a:r>
+            <a:r>
+              <a:rPr lang="zh-CN" altLang="en-US" b="1" dirty="0" smtClean="0">
+                <a:latin typeface="黑体" panose="02010609060101010101" pitchFamily="2" charset="-122"/>
+                <a:ea typeface="黑体" panose="02010609060101010101" pitchFamily="2" charset="-122"/>
+              </a:rPr>
+              <a:t>状态迁移图</a:t>
+            </a:r>
+            <a:r>
+              <a:rPr lang="en-US" altLang="zh-CN" b="1" dirty="0" smtClean="0">
+                <a:latin typeface="黑体" panose="02010609060101010101" pitchFamily="2" charset="-122"/>
+                <a:ea typeface="黑体" panose="02010609060101010101" pitchFamily="2" charset="-122"/>
+              </a:rPr>
+              <a:t>-</a:t>
+            </a:r>
+            <a:r>
+              <a:rPr lang="zh-CN" altLang="en-US" b="1" dirty="0" smtClean="0">
+                <a:latin typeface="黑体" panose="02010609060101010101" pitchFamily="2" charset="-122"/>
+                <a:ea typeface="黑体" panose="02010609060101010101" pitchFamily="2" charset="-122"/>
+              </a:rPr>
+              <a:t>练习</a:t>
+            </a:r>
           </a:p>
         </p:txBody>
       </p:sp>
@@ -7502,8 +7670,8 @@
         </p:blipFill>
         <p:spPr bwMode="auto">
           <a:xfrm>
-            <a:off x="827584" y="1916832"/>
-            <a:ext cx="4133850" cy="4029075"/>
+            <a:off x="1835696" y="956172"/>
+            <a:ext cx="5760640" cy="5614632"/>
           </a:xfrm>
           <a:prstGeom prst="rect">
             <a:avLst/>
@@ -7543,588 +7711,12 @@
           </a:extLst>
         </p:spPr>
       </p:pic>
-      <p:sp>
-        <p:nvSpPr>
-          <p:cNvPr id="5" name="Rectangle 2"/>
-          <p:cNvSpPr txBox="1">
-            <a:spLocks noChangeArrowheads="1"/>
-          </p:cNvSpPr>
-          <p:nvPr/>
-        </p:nvSpPr>
-        <p:spPr bwMode="auto">
-          <a:xfrm>
-            <a:off x="574675" y="304800"/>
-            <a:ext cx="8001000" cy="1216025"/>
-          </a:xfrm>
-          <a:prstGeom prst="rect">
-            <a:avLst/>
-          </a:prstGeom>
-          <a:noFill/>
-          <a:ln>
-            <a:noFill/>
-          </a:ln>
-          <a:extLst>
-            <a:ext uri="{909E8E84-426E-40DD-AFC4-6F175D3DCCD1}">
-              <a14:hiddenFill xmlns:a14="http://schemas.microsoft.com/office/drawing/2010/main">
-                <a:solidFill>
-                  <a:srgbClr val="FFFFFF"/>
-                </a:solidFill>
-              </a14:hiddenFill>
-            </a:ext>
-            <a:ext uri="{91240B29-F687-4F45-9708-019B960494DF}">
-              <a14:hiddenLine xmlns:a14="http://schemas.microsoft.com/office/drawing/2010/main" w="9525">
-                <a:solidFill>
-                  <a:srgbClr val="000000"/>
-                </a:solidFill>
-                <a:miter lim="800000"/>
-                <a:headEnd/>
-                <a:tailEnd/>
-              </a14:hiddenLine>
-            </a:ext>
-          </a:extLst>
-        </p:spPr>
-        <p:txBody>
-          <a:bodyPr vert="horz" wrap="square" lIns="91440" tIns="45720" rIns="91440" bIns="45720" numCol="1" anchor="b" anchorCtr="0" compatLnSpc="1"/>
-          <a:lstStyle>
-            <a:lvl1pPr algn="l" rtl="0" eaLnBrk="0" fontAlgn="base" hangingPunct="0">
-              <a:spcBef>
-                <a:spcPct val="0"/>
-              </a:spcBef>
-              <a:spcAft>
-                <a:spcPct val="0"/>
-              </a:spcAft>
-              <a:defRPr sz="3800">
-                <a:solidFill>
-                  <a:schemeClr val="tx2"/>
-                </a:solidFill>
-                <a:latin typeface="+mj-lt"/>
-                <a:ea typeface="+mj-ea"/>
-                <a:cs typeface="+mj-cs"/>
-              </a:defRPr>
-            </a:lvl1pPr>
-            <a:lvl2pPr algn="l" rtl="0" eaLnBrk="0" fontAlgn="base" hangingPunct="0">
-              <a:spcBef>
-                <a:spcPct val="0"/>
-              </a:spcBef>
-              <a:spcAft>
-                <a:spcPct val="0"/>
-              </a:spcAft>
-              <a:defRPr sz="3800">
-                <a:solidFill>
-                  <a:schemeClr val="tx2"/>
-                </a:solidFill>
-                <a:latin typeface="Verdana" panose="020B0604030504040204" pitchFamily="34" charset="0"/>
-                <a:ea typeface="宋体" panose="02010600030101010101" pitchFamily="2" charset="-122"/>
-              </a:defRPr>
-            </a:lvl2pPr>
-            <a:lvl3pPr algn="l" rtl="0" eaLnBrk="0" fontAlgn="base" hangingPunct="0">
-              <a:spcBef>
-                <a:spcPct val="0"/>
-              </a:spcBef>
-              <a:spcAft>
-                <a:spcPct val="0"/>
-              </a:spcAft>
-              <a:defRPr sz="3800">
-                <a:solidFill>
-                  <a:schemeClr val="tx2"/>
-                </a:solidFill>
-                <a:latin typeface="Verdana" panose="020B0604030504040204" pitchFamily="34" charset="0"/>
-                <a:ea typeface="宋体" panose="02010600030101010101" pitchFamily="2" charset="-122"/>
-              </a:defRPr>
-            </a:lvl3pPr>
-            <a:lvl4pPr algn="l" rtl="0" eaLnBrk="0" fontAlgn="base" hangingPunct="0">
-              <a:spcBef>
-                <a:spcPct val="0"/>
-              </a:spcBef>
-              <a:spcAft>
-                <a:spcPct val="0"/>
-              </a:spcAft>
-              <a:defRPr sz="3800">
-                <a:solidFill>
-                  <a:schemeClr val="tx2"/>
-                </a:solidFill>
-                <a:latin typeface="Verdana" panose="020B0604030504040204" pitchFamily="34" charset="0"/>
-                <a:ea typeface="宋体" panose="02010600030101010101" pitchFamily="2" charset="-122"/>
-              </a:defRPr>
-            </a:lvl4pPr>
-            <a:lvl5pPr algn="l" rtl="0" eaLnBrk="0" fontAlgn="base" hangingPunct="0">
-              <a:spcBef>
-                <a:spcPct val="0"/>
-              </a:spcBef>
-              <a:spcAft>
-                <a:spcPct val="0"/>
-              </a:spcAft>
-              <a:defRPr sz="3800">
-                <a:solidFill>
-                  <a:schemeClr val="tx2"/>
-                </a:solidFill>
-                <a:latin typeface="Verdana" panose="020B0604030504040204" pitchFamily="34" charset="0"/>
-                <a:ea typeface="宋体" panose="02010600030101010101" pitchFamily="2" charset="-122"/>
-              </a:defRPr>
-            </a:lvl5pPr>
-            <a:lvl6pPr marL="457200" algn="l" rtl="0" fontAlgn="base">
-              <a:spcBef>
-                <a:spcPct val="0"/>
-              </a:spcBef>
-              <a:spcAft>
-                <a:spcPct val="0"/>
-              </a:spcAft>
-              <a:defRPr sz="3800">
-                <a:solidFill>
-                  <a:schemeClr val="tx2"/>
-                </a:solidFill>
-                <a:latin typeface="Verdana" panose="020B0604030504040204" pitchFamily="34" charset="0"/>
-                <a:ea typeface="宋体" panose="02010600030101010101" pitchFamily="2" charset="-122"/>
-              </a:defRPr>
-            </a:lvl6pPr>
-            <a:lvl7pPr marL="914400" algn="l" rtl="0" fontAlgn="base">
-              <a:spcBef>
-                <a:spcPct val="0"/>
-              </a:spcBef>
-              <a:spcAft>
-                <a:spcPct val="0"/>
-              </a:spcAft>
-              <a:defRPr sz="3800">
-                <a:solidFill>
-                  <a:schemeClr val="tx2"/>
-                </a:solidFill>
-                <a:latin typeface="Verdana" panose="020B0604030504040204" pitchFamily="34" charset="0"/>
-                <a:ea typeface="宋体" panose="02010600030101010101" pitchFamily="2" charset="-122"/>
-              </a:defRPr>
-            </a:lvl7pPr>
-            <a:lvl8pPr marL="1371600" algn="l" rtl="0" fontAlgn="base">
-              <a:spcBef>
-                <a:spcPct val="0"/>
-              </a:spcBef>
-              <a:spcAft>
-                <a:spcPct val="0"/>
-              </a:spcAft>
-              <a:defRPr sz="3800">
-                <a:solidFill>
-                  <a:schemeClr val="tx2"/>
-                </a:solidFill>
-                <a:latin typeface="Verdana" panose="020B0604030504040204" pitchFamily="34" charset="0"/>
-                <a:ea typeface="宋体" panose="02010600030101010101" pitchFamily="2" charset="-122"/>
-              </a:defRPr>
-            </a:lvl8pPr>
-            <a:lvl9pPr marL="1828800" algn="l" rtl="0" fontAlgn="base">
-              <a:spcBef>
-                <a:spcPct val="0"/>
-              </a:spcBef>
-              <a:spcAft>
-                <a:spcPct val="0"/>
-              </a:spcAft>
-              <a:defRPr sz="3800">
-                <a:solidFill>
-                  <a:schemeClr val="tx2"/>
-                </a:solidFill>
-                <a:latin typeface="Verdana" panose="020B0604030504040204" pitchFamily="34" charset="0"/>
-                <a:ea typeface="宋体" panose="02010600030101010101" pitchFamily="2" charset="-122"/>
-              </a:defRPr>
-            </a:lvl9pPr>
-          </a:lstStyle>
-          <a:p>
-            <a:pPr eaLnBrk="1" hangingPunct="1"/>
-            <a:r>
-              <a:rPr lang="en-US" altLang="zh-CN" b="1" dirty="0" smtClean="0">
-                <a:latin typeface="黑体" panose="02010609060101010101" pitchFamily="2" charset="-122"/>
-                <a:ea typeface="黑体" panose="02010609060101010101" pitchFamily="2" charset="-122"/>
-              </a:rPr>
-              <a:t>3.8 </a:t>
-            </a:r>
-            <a:r>
-              <a:rPr lang="zh-CN" altLang="en-US" b="1" dirty="0" smtClean="0">
-                <a:latin typeface="黑体" panose="02010609060101010101" pitchFamily="2" charset="-122"/>
-                <a:ea typeface="黑体" panose="02010609060101010101" pitchFamily="2" charset="-122"/>
-              </a:rPr>
-              <a:t>状态迁移</a:t>
-            </a:r>
-            <a:r>
-              <a:rPr lang="zh-CN" altLang="en-US" b="1" dirty="0" smtClean="0">
-                <a:latin typeface="黑体" panose="02010609060101010101" pitchFamily="2" charset="-122"/>
-                <a:ea typeface="黑体" panose="02010609060101010101" pitchFamily="2" charset="-122"/>
-              </a:rPr>
-              <a:t>图</a:t>
-            </a:r>
-            <a:r>
-              <a:rPr lang="en-US" altLang="zh-CN" b="1" dirty="0" smtClean="0">
-                <a:latin typeface="黑体" panose="02010609060101010101" pitchFamily="2" charset="-122"/>
-                <a:ea typeface="黑体" panose="02010609060101010101" pitchFamily="2" charset="-122"/>
-              </a:rPr>
-              <a:t>-</a:t>
-            </a:r>
-            <a:r>
-              <a:rPr lang="zh-CN" altLang="en-US" b="1" dirty="0" smtClean="0">
-                <a:latin typeface="黑体" panose="02010609060101010101" pitchFamily="2" charset="-122"/>
-                <a:ea typeface="黑体" panose="02010609060101010101" pitchFamily="2" charset="-122"/>
-              </a:rPr>
-              <a:t>练习</a:t>
-            </a:r>
-            <a:endParaRPr lang="zh-CN" altLang="en-US" b="1" dirty="0" smtClean="0">
-              <a:latin typeface="黑体" panose="02010609060101010101" pitchFamily="2" charset="-122"/>
-              <a:ea typeface="黑体" panose="02010609060101010101" pitchFamily="2" charset="-122"/>
-            </a:endParaRPr>
-          </a:p>
-        </p:txBody>
-      </p:sp>
     </p:spTree>
     <p:extLst>
       <p:ext uri="{BB962C8B-B14F-4D97-AF65-F5344CB8AC3E}">
         <p14:creationId xmlns:p14="http://schemas.microsoft.com/office/powerpoint/2010/main" val="3169772514"/>
       </p:ext>
     </p:extLst>
-  </p:cSld>
-  <p:clrMapOvr>
-    <a:masterClrMapping/>
-  </p:clrMapOvr>
-  <p:transition>
-    <p:blinds dir="vert"/>
-  </p:transition>
-</p:sld>
-</file>
-
-<file path=ppt/slides/slide12.xml><?xml version="1.0" encoding="utf-8"?>
-<p:sld xmlns:a="http://schemas.openxmlformats.org/drawingml/2006/main" xmlns:r="http://schemas.openxmlformats.org/officeDocument/2006/relationships" xmlns:p="http://schemas.openxmlformats.org/presentationml/2006/main">
-  <p:cSld>
-    <p:spTree>
-      <p:nvGrpSpPr>
-        <p:cNvPr id="1" name=""/>
-        <p:cNvGrpSpPr/>
-        <p:nvPr/>
-      </p:nvGrpSpPr>
-      <p:grpSpPr>
-        <a:xfrm>
-          <a:off x="0" y="0"/>
-          <a:ext cx="0" cy="0"/>
-          <a:chOff x="0" y="0"/>
-          <a:chExt cx="0" cy="0"/>
-        </a:xfrm>
-      </p:grpSpPr>
-      <p:sp>
-        <p:nvSpPr>
-          <p:cNvPr id="3" name="内容占位符 2"/>
-          <p:cNvSpPr>
-            <a:spLocks noGrp="1"/>
-          </p:cNvSpPr>
-          <p:nvPr>
-            <p:ph sz="half" idx="1"/>
-          </p:nvPr>
-        </p:nvSpPr>
-        <p:spPr>
-          <a:xfrm>
-            <a:off x="619125" y="1731010"/>
-            <a:ext cx="7972425" cy="4717415"/>
-          </a:xfrm>
-          <a:ln>
-            <a:noFill/>
-            <a:tailEnd type="arrow"/>
-          </a:ln>
-        </p:spPr>
-        <p:style>
-          <a:lnRef idx="1">
-            <a:schemeClr val="accent1"/>
-          </a:lnRef>
-          <a:fillRef idx="0">
-            <a:schemeClr val="accent1"/>
-          </a:fillRef>
-          <a:effectRef idx="0">
-            <a:schemeClr val="accent1"/>
-          </a:effectRef>
-          <a:fontRef idx="minor">
-            <a:schemeClr val="tx1"/>
-          </a:fontRef>
-        </p:style>
-        <p:txBody>
-          <a:bodyPr/>
-          <a:lstStyle/>
-          <a:p>
-            <a:r>
-              <a:rPr lang="zh-CN" altLang="en-US" sz="3100" b="1" dirty="0"/>
-              <a:t>状态图转换成状态树</a:t>
-            </a:r>
-          </a:p>
-          <a:p>
-            <a:pPr lvl="1">
-              <a:lnSpc>
-                <a:spcPct val="150000"/>
-              </a:lnSpc>
-            </a:pPr>
-            <a:r>
-              <a:rPr lang="zh-CN" altLang="en-US" sz="2685" b="1" dirty="0" smtClean="0">
-                <a:sym typeface="+mn-ea"/>
-              </a:rPr>
-              <a:t>将</a:t>
-            </a:r>
-            <a:r>
-              <a:rPr lang="zh-CN" altLang="en-US" sz="2685" b="1" dirty="0" smtClean="0">
-                <a:solidFill>
-                  <a:srgbClr val="FF0000"/>
-                </a:solidFill>
-                <a:sym typeface="+mn-ea"/>
-              </a:rPr>
-              <a:t>初始状态</a:t>
-            </a:r>
-            <a:r>
-              <a:rPr lang="zh-CN" altLang="en-US" sz="2685" b="1" dirty="0" smtClean="0">
-                <a:sym typeface="+mn-ea"/>
-              </a:rPr>
-              <a:t>或</a:t>
-            </a:r>
-            <a:r>
-              <a:rPr lang="zh-CN" altLang="en-US" sz="2685" b="1" dirty="0" smtClean="0">
-                <a:solidFill>
-                  <a:srgbClr val="FF0000"/>
-                </a:solidFill>
-                <a:sym typeface="+mn-ea"/>
-              </a:rPr>
-              <a:t>开始状态</a:t>
-            </a:r>
-            <a:r>
-              <a:rPr lang="zh-CN" altLang="en-US" sz="2685" b="1" dirty="0" smtClean="0">
-                <a:sym typeface="+mn-ea"/>
-              </a:rPr>
-              <a:t>作为状态转换树的</a:t>
-            </a:r>
-            <a:r>
-              <a:rPr lang="zh-CN" altLang="en-US" sz="2685" b="1" dirty="0" smtClean="0">
-                <a:solidFill>
-                  <a:srgbClr val="FF0000"/>
-                </a:solidFill>
-                <a:sym typeface="+mn-ea"/>
-              </a:rPr>
-              <a:t>根</a:t>
-            </a:r>
-          </a:p>
-          <a:p>
-            <a:pPr lvl="1">
-              <a:lnSpc>
-                <a:spcPct val="150000"/>
-              </a:lnSpc>
-            </a:pPr>
-            <a:r>
-              <a:rPr lang="zh-CN" altLang="en-US" sz="2685" b="1" dirty="0" smtClean="0">
-                <a:solidFill>
-                  <a:schemeClr val="tx1"/>
-                </a:solidFill>
-                <a:sym typeface="+mn-ea"/>
-              </a:rPr>
-              <a:t>如果状态树的某层的下一层是根，则本层节点为</a:t>
-            </a:r>
-            <a:r>
-              <a:rPr lang="zh-CN" altLang="en-US" sz="2685" b="1" dirty="0" smtClean="0">
-                <a:solidFill>
-                  <a:srgbClr val="FF0000"/>
-                </a:solidFill>
-                <a:sym typeface="+mn-ea"/>
-              </a:rPr>
-              <a:t>结束节点</a:t>
-            </a:r>
-          </a:p>
-          <a:p>
-            <a:endParaRPr lang="zh-CN" altLang="en-US" b="1" dirty="0"/>
-          </a:p>
-        </p:txBody>
-      </p:sp>
-      <p:sp>
-        <p:nvSpPr>
-          <p:cNvPr id="27" name="Rectangle 2"/>
-          <p:cNvSpPr txBox="1">
-            <a:spLocks noChangeArrowheads="1"/>
-          </p:cNvSpPr>
-          <p:nvPr/>
-        </p:nvSpPr>
-        <p:spPr bwMode="auto">
-          <a:xfrm>
-            <a:off x="574675" y="567690"/>
-            <a:ext cx="8001000" cy="953135"/>
-          </a:xfrm>
-          <a:prstGeom prst="rect">
-            <a:avLst/>
-          </a:prstGeom>
-          <a:noFill/>
-          <a:ln>
-            <a:noFill/>
-          </a:ln>
-          <a:extLst>
-            <a:ext uri="{909E8E84-426E-40DD-AFC4-6F175D3DCCD1}">
-              <a14:hiddenFill xmlns:a14="http://schemas.microsoft.com/office/drawing/2010/main">
-                <a:solidFill>
-                  <a:srgbClr val="FFFFFF"/>
-                </a:solidFill>
-              </a14:hiddenFill>
-            </a:ext>
-            <a:ext uri="{91240B29-F687-4F45-9708-019B960494DF}">
-              <a14:hiddenLine xmlns:a14="http://schemas.microsoft.com/office/drawing/2010/main" w="9525">
-                <a:solidFill>
-                  <a:srgbClr val="000000"/>
-                </a:solidFill>
-                <a:miter lim="800000"/>
-                <a:headEnd/>
-                <a:tailEnd/>
-              </a14:hiddenLine>
-            </a:ext>
-          </a:extLst>
-        </p:spPr>
-        <p:txBody>
-          <a:bodyPr vert="horz" wrap="square" lIns="91440" tIns="45720" rIns="91440" bIns="45720" numCol="1" anchor="b" anchorCtr="0" compatLnSpc="1"/>
-          <a:lstStyle>
-            <a:lvl1pPr algn="l" rtl="0" eaLnBrk="0" fontAlgn="base" hangingPunct="0">
-              <a:spcBef>
-                <a:spcPct val="0"/>
-              </a:spcBef>
-              <a:spcAft>
-                <a:spcPct val="0"/>
-              </a:spcAft>
-              <a:defRPr sz="3800">
-                <a:solidFill>
-                  <a:schemeClr val="tx2"/>
-                </a:solidFill>
-                <a:latin typeface="+mj-lt"/>
-                <a:ea typeface="+mj-ea"/>
-                <a:cs typeface="+mj-cs"/>
-              </a:defRPr>
-            </a:lvl1pPr>
-            <a:lvl2pPr algn="l" rtl="0" eaLnBrk="0" fontAlgn="base" hangingPunct="0">
-              <a:spcBef>
-                <a:spcPct val="0"/>
-              </a:spcBef>
-              <a:spcAft>
-                <a:spcPct val="0"/>
-              </a:spcAft>
-              <a:defRPr sz="3800">
-                <a:solidFill>
-                  <a:schemeClr val="tx2"/>
-                </a:solidFill>
-                <a:latin typeface="Verdana" panose="020B0604030504040204" pitchFamily="34" charset="0"/>
-                <a:ea typeface="宋体" panose="02010600030101010101" pitchFamily="2" charset="-122"/>
-              </a:defRPr>
-            </a:lvl2pPr>
-            <a:lvl3pPr algn="l" rtl="0" eaLnBrk="0" fontAlgn="base" hangingPunct="0">
-              <a:spcBef>
-                <a:spcPct val="0"/>
-              </a:spcBef>
-              <a:spcAft>
-                <a:spcPct val="0"/>
-              </a:spcAft>
-              <a:defRPr sz="3800">
-                <a:solidFill>
-                  <a:schemeClr val="tx2"/>
-                </a:solidFill>
-                <a:latin typeface="Verdana" panose="020B0604030504040204" pitchFamily="34" charset="0"/>
-                <a:ea typeface="宋体" panose="02010600030101010101" pitchFamily="2" charset="-122"/>
-              </a:defRPr>
-            </a:lvl3pPr>
-            <a:lvl4pPr algn="l" rtl="0" eaLnBrk="0" fontAlgn="base" hangingPunct="0">
-              <a:spcBef>
-                <a:spcPct val="0"/>
-              </a:spcBef>
-              <a:spcAft>
-                <a:spcPct val="0"/>
-              </a:spcAft>
-              <a:defRPr sz="3800">
-                <a:solidFill>
-                  <a:schemeClr val="tx2"/>
-                </a:solidFill>
-                <a:latin typeface="Verdana" panose="020B0604030504040204" pitchFamily="34" charset="0"/>
-                <a:ea typeface="宋体" panose="02010600030101010101" pitchFamily="2" charset="-122"/>
-              </a:defRPr>
-            </a:lvl4pPr>
-            <a:lvl5pPr algn="l" rtl="0" eaLnBrk="0" fontAlgn="base" hangingPunct="0">
-              <a:spcBef>
-                <a:spcPct val="0"/>
-              </a:spcBef>
-              <a:spcAft>
-                <a:spcPct val="0"/>
-              </a:spcAft>
-              <a:defRPr sz="3800">
-                <a:solidFill>
-                  <a:schemeClr val="tx2"/>
-                </a:solidFill>
-                <a:latin typeface="Verdana" panose="020B0604030504040204" pitchFamily="34" charset="0"/>
-                <a:ea typeface="宋体" panose="02010600030101010101" pitchFamily="2" charset="-122"/>
-              </a:defRPr>
-            </a:lvl5pPr>
-            <a:lvl6pPr marL="457200" algn="l" rtl="0" fontAlgn="base">
-              <a:spcBef>
-                <a:spcPct val="0"/>
-              </a:spcBef>
-              <a:spcAft>
-                <a:spcPct val="0"/>
-              </a:spcAft>
-              <a:defRPr sz="3800">
-                <a:solidFill>
-                  <a:schemeClr val="tx2"/>
-                </a:solidFill>
-                <a:latin typeface="Verdana" panose="020B0604030504040204" pitchFamily="34" charset="0"/>
-                <a:ea typeface="宋体" panose="02010600030101010101" pitchFamily="2" charset="-122"/>
-              </a:defRPr>
-            </a:lvl6pPr>
-            <a:lvl7pPr marL="914400" algn="l" rtl="0" fontAlgn="base">
-              <a:spcBef>
-                <a:spcPct val="0"/>
-              </a:spcBef>
-              <a:spcAft>
-                <a:spcPct val="0"/>
-              </a:spcAft>
-              <a:defRPr sz="3800">
-                <a:solidFill>
-                  <a:schemeClr val="tx2"/>
-                </a:solidFill>
-                <a:latin typeface="Verdana" panose="020B0604030504040204" pitchFamily="34" charset="0"/>
-                <a:ea typeface="宋体" panose="02010600030101010101" pitchFamily="2" charset="-122"/>
-              </a:defRPr>
-            </a:lvl7pPr>
-            <a:lvl8pPr marL="1371600" algn="l" rtl="0" fontAlgn="base">
-              <a:spcBef>
-                <a:spcPct val="0"/>
-              </a:spcBef>
-              <a:spcAft>
-                <a:spcPct val="0"/>
-              </a:spcAft>
-              <a:defRPr sz="3800">
-                <a:solidFill>
-                  <a:schemeClr val="tx2"/>
-                </a:solidFill>
-                <a:latin typeface="Verdana" panose="020B0604030504040204" pitchFamily="34" charset="0"/>
-                <a:ea typeface="宋体" panose="02010600030101010101" pitchFamily="2" charset="-122"/>
-              </a:defRPr>
-            </a:lvl8pPr>
-            <a:lvl9pPr marL="1828800" algn="l" rtl="0" fontAlgn="base">
-              <a:spcBef>
-                <a:spcPct val="0"/>
-              </a:spcBef>
-              <a:spcAft>
-                <a:spcPct val="0"/>
-              </a:spcAft>
-              <a:defRPr sz="3800">
-                <a:solidFill>
-                  <a:schemeClr val="tx2"/>
-                </a:solidFill>
-                <a:latin typeface="Verdana" panose="020B0604030504040204" pitchFamily="34" charset="0"/>
-                <a:ea typeface="宋体" panose="02010600030101010101" pitchFamily="2" charset="-122"/>
-              </a:defRPr>
-            </a:lvl9pPr>
-          </a:lstStyle>
-          <a:p>
-            <a:pPr eaLnBrk="1" hangingPunct="1"/>
-            <a:r>
-              <a:rPr lang="en-US" altLang="zh-CN" b="1" dirty="0" smtClean="0">
-                <a:latin typeface="黑体" panose="02010609060101010101" pitchFamily="2" charset="-122"/>
-                <a:ea typeface="黑体" panose="02010609060101010101" pitchFamily="2" charset="-122"/>
-              </a:rPr>
-              <a:t>3.8 </a:t>
-            </a:r>
-            <a:r>
-              <a:rPr lang="zh-CN" altLang="en-US" b="1" dirty="0" smtClean="0">
-                <a:latin typeface="黑体" panose="02010609060101010101" pitchFamily="2" charset="-122"/>
-                <a:ea typeface="黑体" panose="02010609060101010101" pitchFamily="2" charset="-122"/>
-              </a:rPr>
-              <a:t>状态迁移图</a:t>
-            </a:r>
-          </a:p>
-        </p:txBody>
-      </p:sp>
-    </p:spTree>
   </p:cSld>
   <p:clrMapOvr>
     <a:masterClrMapping/>
@@ -8142,8 +7734,8 @@
 </p:sld>
 </file>
 
-<file path=ppt/slides/slide13.xml><?xml version="1.0" encoding="utf-8"?>
-<p:sld xmlns:a="http://schemas.openxmlformats.org/drawingml/2006/main" xmlns:r="http://schemas.openxmlformats.org/officeDocument/2006/relationships" xmlns:p="http://schemas.openxmlformats.org/presentationml/2006/main" show="0">
+<file path=ppt/slides/slide12.xml><?xml version="1.0" encoding="utf-8"?>
+<p:sld xmlns:a="http://schemas.openxmlformats.org/drawingml/2006/main" xmlns:r="http://schemas.openxmlformats.org/officeDocument/2006/relationships" xmlns:p="http://schemas.openxmlformats.org/presentationml/2006/main">
   <p:cSld>
     <p:spTree>
       <p:nvGrpSpPr>
@@ -8194,12 +7786,63 @@
                 <a:cs typeface="+mj-cs"/>
                 <a:sym typeface="+mn-ea"/>
               </a:rPr>
-              <a:t>根据如下图播放器提供的功能进行用例设计</a:t>
+              <a:t>练习</a:t>
+            </a:r>
+            <a:r>
+              <a:rPr lang="en-US" altLang="zh-CN" sz="3100" b="1" kern="1200" noProof="0" dirty="0" smtClean="0">
+                <a:ln>
+                  <a:noFill/>
+                </a:ln>
+                <a:effectLst/>
+                <a:uLnTx/>
+                <a:uFillTx/>
+                <a:latin typeface="宋体" panose="02010600030101010101" pitchFamily="2" charset="-122"/>
+                <a:ea typeface="宋体" panose="02010600030101010101" pitchFamily="2" charset="-122"/>
+                <a:cs typeface="+mj-cs"/>
+                <a:sym typeface="+mn-ea"/>
+              </a:rPr>
+              <a:t>3</a:t>
+            </a:r>
+            <a:r>
+              <a:rPr lang="zh-CN" altLang="en-US" sz="3100" b="1" kern="1200" noProof="0" dirty="0" smtClean="0">
+                <a:ln>
+                  <a:noFill/>
+                </a:ln>
+                <a:effectLst/>
+                <a:uLnTx/>
+                <a:uFillTx/>
+                <a:latin typeface="宋体" panose="02010600030101010101" pitchFamily="2" charset="-122"/>
+                <a:ea typeface="宋体" panose="02010600030101010101" pitchFamily="2" charset="-122"/>
+                <a:cs typeface="+mj-cs"/>
+                <a:sym typeface="+mn-ea"/>
+              </a:rPr>
+              <a:t>：根据如下图播放器提供的功能进行状态图用例设计</a:t>
+            </a:r>
+            <a:r>
+              <a:rPr lang="zh-CN" altLang="en-US" sz="3100" b="1" kern="1200" noProof="0" dirty="0" smtClean="0">
+                <a:ln>
+                  <a:noFill/>
+                </a:ln>
+                <a:solidFill>
+                  <a:srgbClr val="FF0000"/>
+                </a:solidFill>
+                <a:effectLst/>
+                <a:uLnTx/>
+                <a:uFillTx/>
+                <a:latin typeface="宋体" panose="02010600030101010101" pitchFamily="2" charset="-122"/>
+                <a:ea typeface="宋体" panose="02010600030101010101" pitchFamily="2" charset="-122"/>
+                <a:cs typeface="+mj-cs"/>
+                <a:sym typeface="+mn-ea"/>
+              </a:rPr>
+              <a:t>（纸质提交）</a:t>
             </a:r>
             <a:endParaRPr kumimoji="0" lang="zh-CN" altLang="en-US" sz="3100" b="1" i="0" u="none" strike="noStrike" kern="1200" cap="none" spc="0" normalizeH="0" baseline="0" noProof="0" dirty="0" smtClean="0">
               <a:ln>
                 <a:noFill/>
               </a:ln>
+              <a:solidFill>
+                <a:srgbClr val="FF0000"/>
+              </a:solidFill>
               <a:effectLst/>
               <a:uLnTx/>
               <a:uFillTx/>
@@ -8405,7 +8048,7 @@
                 <a:latin typeface="黑体" panose="02010609060101010101" pitchFamily="2" charset="-122"/>
                 <a:ea typeface="黑体" panose="02010609060101010101" pitchFamily="2" charset="-122"/>
               </a:rPr>
-              <a:t>3.8 </a:t>
+              <a:t>3.7 </a:t>
             </a:r>
             <a:r>
               <a:rPr lang="zh-CN" altLang="en-US" b="1" dirty="0" smtClean="0">
@@ -8417,30 +8060,6 @@
           </a:p>
         </p:txBody>
       </p:sp>
-      <p:pic>
-        <p:nvPicPr>
-          <p:cNvPr id="2" name="图片 1"/>
-          <p:cNvPicPr>
-            <a:picLocks noChangeAspect="1"/>
-          </p:cNvPicPr>
-          <p:nvPr/>
-        </p:nvPicPr>
-        <p:blipFill>
-          <a:blip r:embed="rId3"/>
-          <a:stretch>
-            <a:fillRect/>
-          </a:stretch>
-        </p:blipFill>
-        <p:spPr>
-          <a:xfrm>
-            <a:off x="2685552" y="2491720"/>
-            <a:ext cx="6100511" cy="1028657"/>
-          </a:xfrm>
-          <a:prstGeom prst="rect">
-            <a:avLst/>
-          </a:prstGeom>
-        </p:spPr>
-      </p:pic>
       <p:sp>
         <p:nvSpPr>
           <p:cNvPr id="4" name="内容占位符 2"/>
@@ -8460,7 +8079,7 @@
         </p:spPr>
         <p:txBody>
           <a:bodyPr vert="horz" lIns="91440" tIns="45720" rIns="91440" bIns="45720" rtlCol="0">
-            <a:normAutofit/>
+            <a:normAutofit lnSpcReduction="10000"/>
           </a:bodyPr>
           <a:lstStyle>
             <a:lvl1pPr marL="228600" indent="-228600" algn="l" defTabSz="914400" rtl="0" eaLnBrk="1" latinLnBrk="0" hangingPunct="1">
@@ -8651,11 +8270,11 @@
               </a:lnSpc>
             </a:pPr>
             <a:r>
-              <a:rPr lang="zh-CN" altLang="en-US" dirty="0" smtClean="0">
+              <a:rPr lang="zh-CN" altLang="en-US" dirty="0">
                 <a:latin typeface="宋体" panose="02010600030101010101" pitchFamily="2" charset="-122"/>
                 <a:ea typeface="宋体" panose="02010600030101010101" pitchFamily="2" charset="-122"/>
               </a:rPr>
-              <a:t>前进</a:t>
+              <a:t>加速</a:t>
             </a:r>
             <a:endParaRPr lang="en-US" altLang="zh-CN" dirty="0" smtClean="0">
               <a:latin typeface="宋体" panose="02010600030101010101" pitchFamily="2" charset="-122"/>
@@ -8669,11 +8288,11 @@
               </a:lnSpc>
             </a:pPr>
             <a:r>
-              <a:rPr lang="zh-CN" altLang="en-US" dirty="0" smtClean="0">
+              <a:rPr lang="zh-CN" altLang="en-US" dirty="0">
                 <a:latin typeface="宋体" panose="02010600030101010101" pitchFamily="2" charset="-122"/>
                 <a:ea typeface="宋体" panose="02010600030101010101" pitchFamily="2" charset="-122"/>
               </a:rPr>
-              <a:t>后退</a:t>
+              <a:t>减速</a:t>
             </a:r>
             <a:endParaRPr lang="en-US" altLang="zh-CN" dirty="0" smtClean="0">
               <a:latin typeface="宋体" panose="02010600030101010101" pitchFamily="2" charset="-122"/>
@@ -8709,7 +8328,25 @@
                 <a:latin typeface="宋体" panose="02010600030101010101" pitchFamily="2" charset="-122"/>
                 <a:ea typeface="宋体" panose="02010600030101010101" pitchFamily="2" charset="-122"/>
               </a:rPr>
-              <a:t>停止等功能</a:t>
+              <a:t>停止</a:t>
+            </a:r>
+            <a:endParaRPr lang="en-US" altLang="zh-CN" dirty="0" smtClean="0">
+              <a:latin typeface="宋体" panose="02010600030101010101" pitchFamily="2" charset="-122"/>
+              <a:ea typeface="宋体" panose="02010600030101010101" pitchFamily="2" charset="-122"/>
+            </a:endParaRPr>
+          </a:p>
+          <a:p>
+            <a:pPr>
+              <a:lnSpc>
+                <a:spcPct val="100000"/>
+              </a:lnSpc>
+            </a:pPr>
+            <a:r>
+              <a:rPr lang="zh-CN" altLang="en-US" dirty="0" smtClean="0">
+                <a:latin typeface="宋体" panose="02010600030101010101" pitchFamily="2" charset="-122"/>
+                <a:ea typeface="宋体" panose="02010600030101010101" pitchFamily="2" charset="-122"/>
+              </a:rPr>
+              <a:t>退出等功能</a:t>
             </a:r>
             <a:endParaRPr lang="zh-CN" altLang="en-US" dirty="0">
               <a:latin typeface="宋体" panose="02010600030101010101" pitchFamily="2" charset="-122"/>
@@ -8718,6 +8355,70 @@
           </a:p>
         </p:txBody>
       </p:sp>
+      <p:pic>
+        <p:nvPicPr>
+          <p:cNvPr id="1026" name="Picture 2"/>
+          <p:cNvPicPr>
+            <a:picLocks noChangeAspect="1" noChangeArrowheads="1"/>
+          </p:cNvPicPr>
+          <p:nvPr/>
+        </p:nvPicPr>
+        <p:blipFill>
+          <a:blip r:embed="rId3">
+            <a:extLst>
+              <a:ext uri="{28A0092B-C50C-407E-A947-70E740481C1C}">
+                <a14:useLocalDpi xmlns:a14="http://schemas.microsoft.com/office/drawing/2010/main" val="0"/>
+              </a:ext>
+            </a:extLst>
+          </a:blip>
+          <a:srcRect/>
+          <a:stretch>
+            <a:fillRect/>
+          </a:stretch>
+        </p:blipFill>
+        <p:spPr bwMode="auto">
+          <a:xfrm>
+            <a:off x="2483768" y="2780928"/>
+            <a:ext cx="5966813" cy="1008112"/>
+          </a:xfrm>
+          <a:prstGeom prst="rect">
+            <a:avLst/>
+          </a:prstGeom>
+          <a:noFill/>
+          <a:ln>
+            <a:noFill/>
+          </a:ln>
+          <a:effectLst/>
+          <a:extLst>
+            <a:ext uri="{909E8E84-426E-40DD-AFC4-6F175D3DCCD1}">
+              <a14:hiddenFill xmlns:a14="http://schemas.microsoft.com/office/drawing/2010/main">
+                <a:solidFill>
+                  <a:schemeClr val="accent1"/>
+                </a:solidFill>
+              </a14:hiddenFill>
+            </a:ext>
+            <a:ext uri="{91240B29-F687-4F45-9708-019B960494DF}">
+              <a14:hiddenLine xmlns:a14="http://schemas.microsoft.com/office/drawing/2010/main" w="9525">
+                <a:solidFill>
+                  <a:schemeClr val="tx1"/>
+                </a:solidFill>
+                <a:miter lim="800000"/>
+                <a:headEnd/>
+                <a:tailEnd/>
+              </a14:hiddenLine>
+            </a:ext>
+            <a:ext uri="{AF507438-7753-43E0-B8FC-AC1667EBCBE1}">
+              <a14:hiddenEffects xmlns:a14="http://schemas.microsoft.com/office/drawing/2010/main">
+                <a:effectLst>
+                  <a:outerShdw dist="35921" dir="2700000" algn="ctr" rotWithShape="0">
+                    <a:schemeClr val="bg2"/>
+                  </a:outerShdw>
+                </a:effectLst>
+              </a14:hiddenEffects>
+            </a:ext>
+          </a:extLst>
+        </p:spPr>
+      </p:pic>
     </p:spTree>
   </p:cSld>
   <p:clrMapOvr>
@@ -8736,7 +8437,7 @@
 </p:sld>
 </file>
 
-<file path=ppt/slides/slide14.xml><?xml version="1.0" encoding="utf-8"?>
+<file path=ppt/slides/slide13.xml><?xml version="1.0" encoding="utf-8"?>
 <p:sld xmlns:a="http://schemas.openxmlformats.org/drawingml/2006/main" xmlns:r="http://schemas.openxmlformats.org/officeDocument/2006/relationships" xmlns:p="http://schemas.openxmlformats.org/presentationml/2006/main">
   <p:cSld>
     <p:spTree>
@@ -9182,7 +8883,7 @@
                 <a:latin typeface="黑体" panose="02010609060101010101" pitchFamily="2" charset="-122"/>
                 <a:ea typeface="黑体" panose="02010609060101010101" pitchFamily="2" charset="-122"/>
               </a:rPr>
-              <a:t>3.8 </a:t>
+              <a:t>3.7 </a:t>
             </a:r>
             <a:r>
               <a:rPr lang="zh-CN" altLang="en-US" b="1" dirty="0" smtClean="0">
@@ -9458,7 +9159,7 @@
 </p:sld>
 </file>
 
-<file path=ppt/slides/slide15.xml><?xml version="1.0" encoding="utf-8"?>
+<file path=ppt/slides/slide14.xml><?xml version="1.0" encoding="utf-8"?>
 <p:sld xmlns:a="http://schemas.openxmlformats.org/drawingml/2006/main" xmlns:r="http://schemas.openxmlformats.org/officeDocument/2006/relationships" xmlns:p="http://schemas.openxmlformats.org/presentationml/2006/main">
   <p:cSld>
     <p:spTree>
@@ -9503,157 +9204,6 @@
               </a:rPr>
               <a:t>谢 谢</a:t>
             </a:r>
-          </a:p>
-        </p:txBody>
-      </p:sp>
-      <p:sp>
-        <p:nvSpPr>
-          <p:cNvPr id="147460" name="灯片编号占位符 3"/>
-          <p:cNvSpPr>
-            <a:spLocks noGrp="1"/>
-          </p:cNvSpPr>
-          <p:nvPr>
-            <p:ph type="sldNum" sz="quarter" idx="12"/>
-          </p:nvPr>
-        </p:nvSpPr>
-        <p:spPr>
-          <a:noFill/>
-          <a:extLst>
-            <a:ext uri="{909E8E84-426E-40DD-AFC4-6F175D3DCCD1}">
-              <a14:hiddenFill xmlns:a14="http://schemas.microsoft.com/office/drawing/2010/main">
-                <a:solidFill>
-                  <a:srgbClr val="FFFFFF"/>
-                </a:solidFill>
-              </a14:hiddenFill>
-            </a:ext>
-            <a:ext uri="{91240B29-F687-4F45-9708-019B960494DF}">
-              <a14:hiddenLine xmlns:a14="http://schemas.microsoft.com/office/drawing/2010/main" w="9525">
-                <a:solidFill>
-                  <a:srgbClr val="000000"/>
-                </a:solidFill>
-                <a:miter lim="800000"/>
-                <a:headEnd/>
-                <a:tailEnd/>
-              </a14:hiddenLine>
-            </a:ext>
-          </a:extLst>
-        </p:spPr>
-        <p:txBody>
-          <a:bodyPr/>
-          <a:lstStyle>
-            <a:lvl1pPr eaLnBrk="0" hangingPunct="0">
-              <a:defRPr>
-                <a:solidFill>
-                  <a:schemeClr val="tx1"/>
-                </a:solidFill>
-                <a:latin typeface="Verdana" panose="020B0604030504040204" pitchFamily="34" charset="0"/>
-                <a:ea typeface="宋体" panose="02010600030101010101" pitchFamily="2" charset="-122"/>
-              </a:defRPr>
-            </a:lvl1pPr>
-            <a:lvl2pPr marL="742950" indent="-285750" eaLnBrk="0" hangingPunct="0">
-              <a:defRPr>
-                <a:solidFill>
-                  <a:schemeClr val="tx1"/>
-                </a:solidFill>
-                <a:latin typeface="Verdana" panose="020B0604030504040204" pitchFamily="34" charset="0"/>
-                <a:ea typeface="宋体" panose="02010600030101010101" pitchFamily="2" charset="-122"/>
-              </a:defRPr>
-            </a:lvl2pPr>
-            <a:lvl3pPr marL="1143000" indent="-228600" eaLnBrk="0" hangingPunct="0">
-              <a:defRPr>
-                <a:solidFill>
-                  <a:schemeClr val="tx1"/>
-                </a:solidFill>
-                <a:latin typeface="Verdana" panose="020B0604030504040204" pitchFamily="34" charset="0"/>
-                <a:ea typeface="宋体" panose="02010600030101010101" pitchFamily="2" charset="-122"/>
-              </a:defRPr>
-            </a:lvl3pPr>
-            <a:lvl4pPr marL="1600200" indent="-228600" eaLnBrk="0" hangingPunct="0">
-              <a:defRPr>
-                <a:solidFill>
-                  <a:schemeClr val="tx1"/>
-                </a:solidFill>
-                <a:latin typeface="Verdana" panose="020B0604030504040204" pitchFamily="34" charset="0"/>
-                <a:ea typeface="宋体" panose="02010600030101010101" pitchFamily="2" charset="-122"/>
-              </a:defRPr>
-            </a:lvl4pPr>
-            <a:lvl5pPr marL="2057400" indent="-228600" eaLnBrk="0" hangingPunct="0">
-              <a:defRPr>
-                <a:solidFill>
-                  <a:schemeClr val="tx1"/>
-                </a:solidFill>
-                <a:latin typeface="Verdana" panose="020B0604030504040204" pitchFamily="34" charset="0"/>
-                <a:ea typeface="宋体" panose="02010600030101010101" pitchFamily="2" charset="-122"/>
-              </a:defRPr>
-            </a:lvl5pPr>
-            <a:lvl6pPr marL="2514600" indent="-228600" eaLnBrk="0" fontAlgn="base" hangingPunct="0">
-              <a:spcBef>
-                <a:spcPct val="0"/>
-              </a:spcBef>
-              <a:spcAft>
-                <a:spcPct val="0"/>
-              </a:spcAft>
-              <a:defRPr>
-                <a:solidFill>
-                  <a:schemeClr val="tx1"/>
-                </a:solidFill>
-                <a:latin typeface="Verdana" panose="020B0604030504040204" pitchFamily="34" charset="0"/>
-                <a:ea typeface="宋体" panose="02010600030101010101" pitchFamily="2" charset="-122"/>
-              </a:defRPr>
-            </a:lvl6pPr>
-            <a:lvl7pPr marL="2971800" indent="-228600" eaLnBrk="0" fontAlgn="base" hangingPunct="0">
-              <a:spcBef>
-                <a:spcPct val="0"/>
-              </a:spcBef>
-              <a:spcAft>
-                <a:spcPct val="0"/>
-              </a:spcAft>
-              <a:defRPr>
-                <a:solidFill>
-                  <a:schemeClr val="tx1"/>
-                </a:solidFill>
-                <a:latin typeface="Verdana" panose="020B0604030504040204" pitchFamily="34" charset="0"/>
-                <a:ea typeface="宋体" panose="02010600030101010101" pitchFamily="2" charset="-122"/>
-              </a:defRPr>
-            </a:lvl7pPr>
-            <a:lvl8pPr marL="3429000" indent="-228600" eaLnBrk="0" fontAlgn="base" hangingPunct="0">
-              <a:spcBef>
-                <a:spcPct val="0"/>
-              </a:spcBef>
-              <a:spcAft>
-                <a:spcPct val="0"/>
-              </a:spcAft>
-              <a:defRPr>
-                <a:solidFill>
-                  <a:schemeClr val="tx1"/>
-                </a:solidFill>
-                <a:latin typeface="Verdana" panose="020B0604030504040204" pitchFamily="34" charset="0"/>
-                <a:ea typeface="宋体" panose="02010600030101010101" pitchFamily="2" charset="-122"/>
-              </a:defRPr>
-            </a:lvl8pPr>
-            <a:lvl9pPr marL="3886200" indent="-228600" eaLnBrk="0" fontAlgn="base" hangingPunct="0">
-              <a:spcBef>
-                <a:spcPct val="0"/>
-              </a:spcBef>
-              <a:spcAft>
-                <a:spcPct val="0"/>
-              </a:spcAft>
-              <a:defRPr>
-                <a:solidFill>
-                  <a:schemeClr val="tx1"/>
-                </a:solidFill>
-                <a:latin typeface="Verdana" panose="020B0604030504040204" pitchFamily="34" charset="0"/>
-                <a:ea typeface="宋体" panose="02010600030101010101" pitchFamily="2" charset="-122"/>
-              </a:defRPr>
-            </a:lvl9pPr>
-          </a:lstStyle>
-          <a:p>
-            <a:pPr eaLnBrk="1" hangingPunct="1"/>
-            <a:fld id="{767E3E2C-221F-4D7E-91A8-AF486AD69B14}" type="slidenum">
-              <a:rPr lang="en-US" altLang="zh-CN" smtClean="0"/>
-              <a:t>15</a:t>
-            </a:fld>
-            <a:endParaRPr lang="en-US" altLang="zh-CN" smtClean="0"/>
           </a:p>
         </p:txBody>
       </p:sp>
@@ -9692,157 +9242,6 @@
       </p:grpSpPr>
       <p:sp>
         <p:nvSpPr>
-          <p:cNvPr id="4098" name="灯片编号占位符 5"/>
-          <p:cNvSpPr>
-            <a:spLocks noGrp="1"/>
-          </p:cNvSpPr>
-          <p:nvPr>
-            <p:ph type="sldNum" sz="quarter" idx="12"/>
-          </p:nvPr>
-        </p:nvSpPr>
-        <p:spPr>
-          <a:noFill/>
-          <a:extLst>
-            <a:ext uri="{909E8E84-426E-40DD-AFC4-6F175D3DCCD1}">
-              <a14:hiddenFill xmlns:a14="http://schemas.microsoft.com/office/drawing/2010/main">
-                <a:solidFill>
-                  <a:srgbClr val="FFFFFF"/>
-                </a:solidFill>
-              </a14:hiddenFill>
-            </a:ext>
-            <a:ext uri="{91240B29-F687-4F45-9708-019B960494DF}">
-              <a14:hiddenLine xmlns:a14="http://schemas.microsoft.com/office/drawing/2010/main" w="9525">
-                <a:solidFill>
-                  <a:srgbClr val="000000"/>
-                </a:solidFill>
-                <a:miter lim="800000"/>
-                <a:headEnd/>
-                <a:tailEnd/>
-              </a14:hiddenLine>
-            </a:ext>
-          </a:extLst>
-        </p:spPr>
-        <p:txBody>
-          <a:bodyPr/>
-          <a:lstStyle>
-            <a:lvl1pPr eaLnBrk="0" hangingPunct="0">
-              <a:defRPr>
-                <a:solidFill>
-                  <a:schemeClr val="tx1"/>
-                </a:solidFill>
-                <a:latin typeface="Verdana" panose="020B0604030504040204" pitchFamily="34" charset="0"/>
-                <a:ea typeface="宋体" panose="02010600030101010101" pitchFamily="2" charset="-122"/>
-              </a:defRPr>
-            </a:lvl1pPr>
-            <a:lvl2pPr marL="742950" indent="-285750" eaLnBrk="0" hangingPunct="0">
-              <a:defRPr>
-                <a:solidFill>
-                  <a:schemeClr val="tx1"/>
-                </a:solidFill>
-                <a:latin typeface="Verdana" panose="020B0604030504040204" pitchFamily="34" charset="0"/>
-                <a:ea typeface="宋体" panose="02010600030101010101" pitchFamily="2" charset="-122"/>
-              </a:defRPr>
-            </a:lvl2pPr>
-            <a:lvl3pPr marL="1143000" indent="-228600" eaLnBrk="0" hangingPunct="0">
-              <a:defRPr>
-                <a:solidFill>
-                  <a:schemeClr val="tx1"/>
-                </a:solidFill>
-                <a:latin typeface="Verdana" panose="020B0604030504040204" pitchFamily="34" charset="0"/>
-                <a:ea typeface="宋体" panose="02010600030101010101" pitchFamily="2" charset="-122"/>
-              </a:defRPr>
-            </a:lvl3pPr>
-            <a:lvl4pPr marL="1600200" indent="-228600" eaLnBrk="0" hangingPunct="0">
-              <a:defRPr>
-                <a:solidFill>
-                  <a:schemeClr val="tx1"/>
-                </a:solidFill>
-                <a:latin typeface="Verdana" panose="020B0604030504040204" pitchFamily="34" charset="0"/>
-                <a:ea typeface="宋体" panose="02010600030101010101" pitchFamily="2" charset="-122"/>
-              </a:defRPr>
-            </a:lvl4pPr>
-            <a:lvl5pPr marL="2057400" indent="-228600" eaLnBrk="0" hangingPunct="0">
-              <a:defRPr>
-                <a:solidFill>
-                  <a:schemeClr val="tx1"/>
-                </a:solidFill>
-                <a:latin typeface="Verdana" panose="020B0604030504040204" pitchFamily="34" charset="0"/>
-                <a:ea typeface="宋体" panose="02010600030101010101" pitchFamily="2" charset="-122"/>
-              </a:defRPr>
-            </a:lvl5pPr>
-            <a:lvl6pPr marL="2514600" indent="-228600" eaLnBrk="0" fontAlgn="base" hangingPunct="0">
-              <a:spcBef>
-                <a:spcPct val="0"/>
-              </a:spcBef>
-              <a:spcAft>
-                <a:spcPct val="0"/>
-              </a:spcAft>
-              <a:defRPr>
-                <a:solidFill>
-                  <a:schemeClr val="tx1"/>
-                </a:solidFill>
-                <a:latin typeface="Verdana" panose="020B0604030504040204" pitchFamily="34" charset="0"/>
-                <a:ea typeface="宋体" panose="02010600030101010101" pitchFamily="2" charset="-122"/>
-              </a:defRPr>
-            </a:lvl6pPr>
-            <a:lvl7pPr marL="2971800" indent="-228600" eaLnBrk="0" fontAlgn="base" hangingPunct="0">
-              <a:spcBef>
-                <a:spcPct val="0"/>
-              </a:spcBef>
-              <a:spcAft>
-                <a:spcPct val="0"/>
-              </a:spcAft>
-              <a:defRPr>
-                <a:solidFill>
-                  <a:schemeClr val="tx1"/>
-                </a:solidFill>
-                <a:latin typeface="Verdana" panose="020B0604030504040204" pitchFamily="34" charset="0"/>
-                <a:ea typeface="宋体" panose="02010600030101010101" pitchFamily="2" charset="-122"/>
-              </a:defRPr>
-            </a:lvl7pPr>
-            <a:lvl8pPr marL="3429000" indent="-228600" eaLnBrk="0" fontAlgn="base" hangingPunct="0">
-              <a:spcBef>
-                <a:spcPct val="0"/>
-              </a:spcBef>
-              <a:spcAft>
-                <a:spcPct val="0"/>
-              </a:spcAft>
-              <a:defRPr>
-                <a:solidFill>
-                  <a:schemeClr val="tx1"/>
-                </a:solidFill>
-                <a:latin typeface="Verdana" panose="020B0604030504040204" pitchFamily="34" charset="0"/>
-                <a:ea typeface="宋体" panose="02010600030101010101" pitchFamily="2" charset="-122"/>
-              </a:defRPr>
-            </a:lvl8pPr>
-            <a:lvl9pPr marL="3886200" indent="-228600" eaLnBrk="0" fontAlgn="base" hangingPunct="0">
-              <a:spcBef>
-                <a:spcPct val="0"/>
-              </a:spcBef>
-              <a:spcAft>
-                <a:spcPct val="0"/>
-              </a:spcAft>
-              <a:defRPr>
-                <a:solidFill>
-                  <a:schemeClr val="tx1"/>
-                </a:solidFill>
-                <a:latin typeface="Verdana" panose="020B0604030504040204" pitchFamily="34" charset="0"/>
-                <a:ea typeface="宋体" panose="02010600030101010101" pitchFamily="2" charset="-122"/>
-              </a:defRPr>
-            </a:lvl9pPr>
-          </a:lstStyle>
-          <a:p>
-            <a:pPr eaLnBrk="1" hangingPunct="1"/>
-            <a:fld id="{2FE39F64-A1D4-4C6E-BAC3-DB3E303ED693}" type="slidenum">
-              <a:rPr lang="en-US" altLang="zh-CN" smtClean="0"/>
-              <a:t>2</a:t>
-            </a:fld>
-            <a:endParaRPr lang="en-US" altLang="zh-CN" smtClean="0"/>
-          </a:p>
-        </p:txBody>
-      </p:sp>
-      <p:sp>
-        <p:nvSpPr>
           <p:cNvPr id="4099" name="Rectangle 2"/>
           <p:cNvSpPr>
             <a:spLocks noGrp="1" noChangeArrowheads="1"/>
@@ -10033,6 +9432,13 @@
     <a:masterClrMapping/>
   </p:clrMapOvr>
   <p:transition/>
+  <p:timing>
+    <p:tnLst>
+      <p:par>
+        <p:cTn id="1" dur="indefinite" restart="never" nodeType="tmRoot"/>
+      </p:par>
+    </p:tnLst>
+  </p:timing>
 </p:sld>
 </file>
 
@@ -10087,15 +9493,7 @@
             </a:r>
             <a:r>
               <a:rPr lang="zh-CN" altLang="en-US" sz="2400" b="1" dirty="0" smtClean="0"/>
-              <a:t>产品</a:t>
-            </a:r>
-            <a:r>
-              <a:rPr lang="zh-CN" altLang="en-US" sz="2400" b="1" dirty="0"/>
-              <a:t>需求</a:t>
-            </a:r>
-            <a:r>
-              <a:rPr lang="zh-CN" altLang="en-US" sz="2400" b="1" dirty="0" smtClean="0"/>
-              <a:t>分析</a:t>
+              <a:t>产品规格分析</a:t>
             </a:r>
             <a:r>
               <a:rPr lang="zh-CN" altLang="en-US" sz="2400" b="1" dirty="0"/>
@@ -10115,7 +9513,7 @@
             </a:r>
             <a:r>
               <a:rPr lang="zh-CN" altLang="en-US" sz="2400" b="1" dirty="0" smtClean="0"/>
-              <a:t>流程</a:t>
+              <a:t>流程。</a:t>
             </a:r>
             <a:endParaRPr lang="en-US" altLang="zh-CN" sz="2400" b="1" dirty="0" smtClean="0"/>
           </a:p>
@@ -10139,13 +9537,21 @@
                   <a:srgbClr val="FF0000"/>
                 </a:solidFill>
               </a:rPr>
-              <a:t>有限状态系统</a:t>
-            </a:r>
-            <a:endParaRPr lang="en-US" altLang="zh-CN" sz="2400" b="1" dirty="0">
-              <a:solidFill>
-                <a:srgbClr val="FF0000"/>
-              </a:solidFill>
-            </a:endParaRPr>
+              <a:t>有限状态</a:t>
+            </a:r>
+            <a:r>
+              <a:rPr lang="zh-CN" altLang="en-US" sz="2400" b="1" dirty="0" smtClean="0">
+                <a:solidFill>
+                  <a:srgbClr val="FF0000"/>
+                </a:solidFill>
+              </a:rPr>
+              <a:t>系统</a:t>
+            </a:r>
+            <a:r>
+              <a:rPr lang="zh-CN" altLang="en-US" sz="2400" b="1" dirty="0" smtClean="0"/>
+              <a:t>。</a:t>
+            </a:r>
+            <a:endParaRPr lang="en-US" altLang="zh-CN" sz="2400" b="1" dirty="0"/>
           </a:p>
           <a:p>
             <a:pPr lvl="1"/>
@@ -10179,7 +9585,7 @@
                 <a:latin typeface="黑体" panose="02010609060101010101" pitchFamily="2" charset="-122"/>
                 <a:ea typeface="黑体" panose="02010609060101010101" pitchFamily="2" charset="-122"/>
               </a:rPr>
-              <a:t>3.8 </a:t>
+              <a:t>3.7 </a:t>
             </a:r>
             <a:r>
               <a:rPr lang="zh-CN" altLang="en-US" b="1" dirty="0" smtClean="0">
@@ -10910,26 +10316,15 @@
                 <a:latin typeface="黑体" panose="02010609060101010101" pitchFamily="2" charset="-122"/>
                 <a:ea typeface="黑体" panose="02010609060101010101" pitchFamily="2" charset="-122"/>
               </a:rPr>
-              <a:t>3.8 </a:t>
+              <a:t>3.7 </a:t>
             </a:r>
             <a:r>
               <a:rPr lang="zh-CN" altLang="en-US" b="1" dirty="0" smtClean="0">
                 <a:latin typeface="黑体" panose="02010609060101010101" pitchFamily="2" charset="-122"/>
                 <a:ea typeface="黑体" panose="02010609060101010101" pitchFamily="2" charset="-122"/>
               </a:rPr>
-              <a:t>状态</a:t>
-            </a:r>
-            <a:r>
-              <a:rPr lang="zh-CN" altLang="en-US" b="1" dirty="0" smtClean="0">
-                <a:latin typeface="黑体" panose="02010609060101010101" pitchFamily="2" charset="-122"/>
-                <a:ea typeface="黑体" panose="02010609060101010101" pitchFamily="2" charset="-122"/>
-              </a:rPr>
-              <a:t>迁移法</a:t>
-            </a:r>
-            <a:endParaRPr lang="zh-CN" altLang="en-US" b="1" dirty="0" smtClean="0">
-              <a:latin typeface="黑体" panose="02010609060101010101" pitchFamily="2" charset="-122"/>
-              <a:ea typeface="黑体" panose="02010609060101010101" pitchFamily="2" charset="-122"/>
-            </a:endParaRPr>
+              <a:t>状态迁移法</a:t>
+            </a:r>
           </a:p>
         </p:txBody>
       </p:sp>
@@ -11229,8 +10624,8 @@
         </p:blipFill>
         <p:spPr>
           <a:xfrm>
-            <a:off x="179512" y="1916832"/>
-            <a:ext cx="3797300" cy="3133725"/>
+            <a:off x="395536" y="2055632"/>
+            <a:ext cx="4255055" cy="3511488"/>
           </a:xfrm>
           <a:prstGeom prst="rect">
             <a:avLst/>
@@ -11253,8 +10648,8 @@
         </p:blipFill>
         <p:spPr>
           <a:xfrm>
-            <a:off x="5364088" y="1751731"/>
-            <a:ext cx="2067560" cy="3463925"/>
+            <a:off x="5580112" y="1412776"/>
+            <a:ext cx="2664296" cy="4463678"/>
           </a:xfrm>
           <a:prstGeom prst="rect">
             <a:avLst/>
@@ -11448,26 +10843,15 @@
                 <a:latin typeface="黑体" panose="02010609060101010101" pitchFamily="2" charset="-122"/>
                 <a:ea typeface="黑体" panose="02010609060101010101" pitchFamily="2" charset="-122"/>
               </a:rPr>
-              <a:t>3.8 </a:t>
+              <a:t>3.7 </a:t>
             </a:r>
             <a:r>
               <a:rPr lang="zh-CN" altLang="en-US" b="1" dirty="0" smtClean="0">
                 <a:latin typeface="黑体" panose="02010609060101010101" pitchFamily="2" charset="-122"/>
                 <a:ea typeface="黑体" panose="02010609060101010101" pitchFamily="2" charset="-122"/>
               </a:rPr>
-              <a:t>状态</a:t>
-            </a:r>
-            <a:r>
-              <a:rPr lang="zh-CN" altLang="en-US" b="1" dirty="0" smtClean="0">
-                <a:latin typeface="黑体" panose="02010609060101010101" pitchFamily="2" charset="-122"/>
-                <a:ea typeface="黑体" panose="02010609060101010101" pitchFamily="2" charset="-122"/>
-              </a:rPr>
-              <a:t>迁移法</a:t>
-            </a:r>
-            <a:endParaRPr lang="zh-CN" altLang="en-US" b="1" dirty="0" smtClean="0">
-              <a:latin typeface="黑体" panose="02010609060101010101" pitchFamily="2" charset="-122"/>
-              <a:ea typeface="黑体" panose="02010609060101010101" pitchFamily="2" charset="-122"/>
-            </a:endParaRPr>
+              <a:t>状态迁移法</a:t>
+            </a:r>
           </a:p>
         </p:txBody>
       </p:sp>
@@ -11716,44 +11100,6 @@
           <a:chExt cx="0" cy="0"/>
         </a:xfrm>
       </p:grpSpPr>
-      <p:sp>
-        <p:nvSpPr>
-          <p:cNvPr id="2" name="标题 1"/>
-          <p:cNvSpPr>
-            <a:spLocks noGrp="1"/>
-          </p:cNvSpPr>
-          <p:nvPr>
-            <p:ph type="title"/>
-          </p:nvPr>
-        </p:nvSpPr>
-        <p:spPr/>
-        <p:txBody>
-          <a:bodyPr/>
-          <a:lstStyle/>
-          <a:p>
-            <a:endParaRPr lang="zh-CN" altLang="en-US"/>
-          </a:p>
-        </p:txBody>
-      </p:sp>
-      <p:sp>
-        <p:nvSpPr>
-          <p:cNvPr id="3" name="内容占位符 2"/>
-          <p:cNvSpPr>
-            <a:spLocks noGrp="1"/>
-          </p:cNvSpPr>
-          <p:nvPr>
-            <p:ph sz="half" idx="1"/>
-          </p:nvPr>
-        </p:nvSpPr>
-        <p:spPr/>
-        <p:txBody>
-          <a:bodyPr/>
-          <a:lstStyle/>
-          <a:p>
-            <a:endParaRPr lang="zh-CN" altLang="en-US"/>
-          </a:p>
-        </p:txBody>
-      </p:sp>
       <p:graphicFrame>
         <p:nvGraphicFramePr>
           <p:cNvPr id="4" name="表格 3"/>
@@ -11763,7 +11109,7 @@
           <p:nvPr>
             <p:extLst>
               <p:ext uri="{D42A27DB-BD31-4B8C-83A1-F6EECF244321}">
-                <p14:modId xmlns:p14="http://schemas.microsoft.com/office/powerpoint/2010/main" val="3318072690"/>
+                <p14:modId xmlns:p14="http://schemas.microsoft.com/office/powerpoint/2010/main" val="3284780966"/>
               </p:ext>
             </p:extLst>
           </p:nvPr>
@@ -11803,7 +11149,44 @@
                       </a:endParaRPr>
                     </a:p>
                   </a:txBody>
-                  <a:tcPr/>
+                  <a:tcPr>
+                    <a:lnL w="12700" cap="flat" cmpd="sng" algn="ctr">
+                      <a:solidFill>
+                        <a:schemeClr val="tx1"/>
+                      </a:solidFill>
+                      <a:prstDash val="solid"/>
+                      <a:round/>
+                      <a:headEnd type="none" w="med" len="med"/>
+                      <a:tailEnd type="none" w="med" len="med"/>
+                    </a:lnL>
+                    <a:lnR w="12700" cap="flat" cmpd="sng" algn="ctr">
+                      <a:solidFill>
+                        <a:schemeClr val="tx1"/>
+                      </a:solidFill>
+                      <a:prstDash val="solid"/>
+                      <a:round/>
+                      <a:headEnd type="none" w="med" len="med"/>
+                      <a:tailEnd type="none" w="med" len="med"/>
+                    </a:lnR>
+                    <a:lnT w="12700" cap="flat" cmpd="sng" algn="ctr">
+                      <a:solidFill>
+                        <a:schemeClr val="tx1"/>
+                      </a:solidFill>
+                      <a:prstDash val="solid"/>
+                      <a:round/>
+                      <a:headEnd type="none" w="med" len="med"/>
+                      <a:tailEnd type="none" w="med" len="med"/>
+                    </a:lnT>
+                    <a:lnB w="12700" cap="flat" cmpd="sng" algn="ctr">
+                      <a:solidFill>
+                        <a:schemeClr val="tx1"/>
+                      </a:solidFill>
+                      <a:prstDash val="solid"/>
+                      <a:round/>
+                      <a:headEnd type="none" w="med" len="med"/>
+                      <a:tailEnd type="none" w="med" len="med"/>
+                    </a:lnB>
+                  </a:tcPr>
                 </a:tc>
                 <a:tc gridSpan="2">
                   <a:txBody>
@@ -11824,7 +11207,44 @@
                       </a:endParaRPr>
                     </a:p>
                   </a:txBody>
-                  <a:tcPr/>
+                  <a:tcPr>
+                    <a:lnL w="12700" cap="flat" cmpd="sng" algn="ctr">
+                      <a:solidFill>
+                        <a:schemeClr val="tx1"/>
+                      </a:solidFill>
+                      <a:prstDash val="solid"/>
+                      <a:round/>
+                      <a:headEnd type="none" w="med" len="med"/>
+                      <a:tailEnd type="none" w="med" len="med"/>
+                    </a:lnL>
+                    <a:lnR w="12700" cap="flat" cmpd="sng" algn="ctr">
+                      <a:solidFill>
+                        <a:schemeClr val="tx1"/>
+                      </a:solidFill>
+                      <a:prstDash val="solid"/>
+                      <a:round/>
+                      <a:headEnd type="none" w="med" len="med"/>
+                      <a:tailEnd type="none" w="med" len="med"/>
+                    </a:lnR>
+                    <a:lnT w="12700" cap="flat" cmpd="sng" algn="ctr">
+                      <a:solidFill>
+                        <a:schemeClr val="tx1"/>
+                      </a:solidFill>
+                      <a:prstDash val="solid"/>
+                      <a:round/>
+                      <a:headEnd type="none" w="med" len="med"/>
+                      <a:tailEnd type="none" w="med" len="med"/>
+                    </a:lnT>
+                    <a:lnB w="12700" cap="flat" cmpd="sng" algn="ctr">
+                      <a:solidFill>
+                        <a:schemeClr val="tx1"/>
+                      </a:solidFill>
+                      <a:prstDash val="solid"/>
+                      <a:round/>
+                      <a:headEnd type="none" w="med" len="med"/>
+                      <a:tailEnd type="none" w="med" len="med"/>
+                    </a:lnB>
+                  </a:tcPr>
                 </a:tc>
                 <a:tc hMerge="1">
                   <a:txBody>
@@ -11857,7 +11277,44 @@
                       </a:endParaRPr>
                     </a:p>
                   </a:txBody>
-                  <a:tcPr/>
+                  <a:tcPr>
+                    <a:lnL w="12700" cap="flat" cmpd="sng" algn="ctr">
+                      <a:solidFill>
+                        <a:schemeClr val="tx1"/>
+                      </a:solidFill>
+                      <a:prstDash val="solid"/>
+                      <a:round/>
+                      <a:headEnd type="none" w="med" len="med"/>
+                      <a:tailEnd type="none" w="med" len="med"/>
+                    </a:lnL>
+                    <a:lnR w="12700" cap="flat" cmpd="sng" algn="ctr">
+                      <a:solidFill>
+                        <a:schemeClr val="tx1"/>
+                      </a:solidFill>
+                      <a:prstDash val="solid"/>
+                      <a:round/>
+                      <a:headEnd type="none" w="med" len="med"/>
+                      <a:tailEnd type="none" w="med" len="med"/>
+                    </a:lnR>
+                    <a:lnT w="12700" cap="flat" cmpd="sng" algn="ctr">
+                      <a:solidFill>
+                        <a:schemeClr val="tx1"/>
+                      </a:solidFill>
+                      <a:prstDash val="solid"/>
+                      <a:round/>
+                      <a:headEnd type="none" w="med" len="med"/>
+                      <a:tailEnd type="none" w="med" len="med"/>
+                    </a:lnT>
+                    <a:lnB w="12700" cap="flat" cmpd="sng" algn="ctr">
+                      <a:solidFill>
+                        <a:schemeClr val="tx1"/>
+                      </a:solidFill>
+                      <a:prstDash val="solid"/>
+                      <a:round/>
+                      <a:headEnd type="none" w="med" len="med"/>
+                      <a:tailEnd type="none" w="med" len="med"/>
+                    </a:lnB>
+                  </a:tcPr>
                 </a:tc>
                 <a:tc>
                   <a:txBody>
@@ -11878,7 +11335,44 @@
                       </a:endParaRPr>
                     </a:p>
                   </a:txBody>
-                  <a:tcPr/>
+                  <a:tcPr>
+                    <a:lnL w="12700" cap="flat" cmpd="sng" algn="ctr">
+                      <a:solidFill>
+                        <a:schemeClr val="tx1"/>
+                      </a:solidFill>
+                      <a:prstDash val="solid"/>
+                      <a:round/>
+                      <a:headEnd type="none" w="med" len="med"/>
+                      <a:tailEnd type="none" w="med" len="med"/>
+                    </a:lnL>
+                    <a:lnR w="12700" cap="flat" cmpd="sng" algn="ctr">
+                      <a:solidFill>
+                        <a:schemeClr val="tx1"/>
+                      </a:solidFill>
+                      <a:prstDash val="solid"/>
+                      <a:round/>
+                      <a:headEnd type="none" w="med" len="med"/>
+                      <a:tailEnd type="none" w="med" len="med"/>
+                    </a:lnR>
+                    <a:lnT w="12700" cap="flat" cmpd="sng" algn="ctr">
+                      <a:solidFill>
+                        <a:schemeClr val="tx1"/>
+                      </a:solidFill>
+                      <a:prstDash val="solid"/>
+                      <a:round/>
+                      <a:headEnd type="none" w="med" len="med"/>
+                      <a:tailEnd type="none" w="med" len="med"/>
+                    </a:lnT>
+                    <a:lnB w="12700" cap="flat" cmpd="sng" algn="ctr">
+                      <a:solidFill>
+                        <a:schemeClr val="tx1"/>
+                      </a:solidFill>
+                      <a:prstDash val="solid"/>
+                      <a:round/>
+                      <a:headEnd type="none" w="med" len="med"/>
+                      <a:tailEnd type="none" w="med" len="med"/>
+                    </a:lnB>
+                  </a:tcPr>
                 </a:tc>
                 <a:tc>
                   <a:txBody>
@@ -11892,7 +11386,44 @@
                       </a:endParaRPr>
                     </a:p>
                   </a:txBody>
-                  <a:tcPr/>
+                  <a:tcPr>
+                    <a:lnL w="12700" cap="flat" cmpd="sng" algn="ctr">
+                      <a:solidFill>
+                        <a:schemeClr val="tx1"/>
+                      </a:solidFill>
+                      <a:prstDash val="solid"/>
+                      <a:round/>
+                      <a:headEnd type="none" w="med" len="med"/>
+                      <a:tailEnd type="none" w="med" len="med"/>
+                    </a:lnL>
+                    <a:lnR w="12700" cap="flat" cmpd="sng" algn="ctr">
+                      <a:solidFill>
+                        <a:schemeClr val="tx1"/>
+                      </a:solidFill>
+                      <a:prstDash val="solid"/>
+                      <a:round/>
+                      <a:headEnd type="none" w="med" len="med"/>
+                      <a:tailEnd type="none" w="med" len="med"/>
+                    </a:lnR>
+                    <a:lnT w="12700" cap="flat" cmpd="sng" algn="ctr">
+                      <a:solidFill>
+                        <a:schemeClr val="tx1"/>
+                      </a:solidFill>
+                      <a:prstDash val="solid"/>
+                      <a:round/>
+                      <a:headEnd type="none" w="med" len="med"/>
+                      <a:tailEnd type="none" w="med" len="med"/>
+                    </a:lnT>
+                    <a:lnB w="12700" cap="flat" cmpd="sng" algn="ctr">
+                      <a:solidFill>
+                        <a:schemeClr val="tx1"/>
+                      </a:solidFill>
+                      <a:prstDash val="solid"/>
+                      <a:round/>
+                      <a:headEnd type="none" w="med" len="med"/>
+                      <a:tailEnd type="none" w="med" len="med"/>
+                    </a:lnB>
+                  </a:tcPr>
                 </a:tc>
               </a:tr>
               <a:tr h="822261">
@@ -11922,7 +11453,44 @@
                       </a:endParaRPr>
                     </a:p>
                   </a:txBody>
-                  <a:tcPr/>
+                  <a:tcPr>
+                    <a:lnL w="12700" cap="flat" cmpd="sng" algn="ctr">
+                      <a:solidFill>
+                        <a:schemeClr val="tx1"/>
+                      </a:solidFill>
+                      <a:prstDash val="solid"/>
+                      <a:round/>
+                      <a:headEnd type="none" w="med" len="med"/>
+                      <a:tailEnd type="none" w="med" len="med"/>
+                    </a:lnL>
+                    <a:lnR w="12700" cap="flat" cmpd="sng" algn="ctr">
+                      <a:solidFill>
+                        <a:schemeClr val="tx1"/>
+                      </a:solidFill>
+                      <a:prstDash val="solid"/>
+                      <a:round/>
+                      <a:headEnd type="none" w="med" len="med"/>
+                      <a:tailEnd type="none" w="med" len="med"/>
+                    </a:lnR>
+                    <a:lnT w="12700" cap="flat" cmpd="sng" algn="ctr">
+                      <a:solidFill>
+                        <a:schemeClr val="tx1"/>
+                      </a:solidFill>
+                      <a:prstDash val="solid"/>
+                      <a:round/>
+                      <a:headEnd type="none" w="med" len="med"/>
+                      <a:tailEnd type="none" w="med" len="med"/>
+                    </a:lnT>
+                    <a:lnB w="12700" cap="flat" cmpd="sng" algn="ctr">
+                      <a:solidFill>
+                        <a:schemeClr val="tx1"/>
+                      </a:solidFill>
+                      <a:prstDash val="solid"/>
+                      <a:round/>
+                      <a:headEnd type="none" w="med" len="med"/>
+                      <a:tailEnd type="none" w="med" len="med"/>
+                    </a:lnB>
+                  </a:tcPr>
                 </a:tc>
                 <a:tc>
                   <a:txBody>
@@ -11943,7 +11511,44 @@
                       </a:endParaRPr>
                     </a:p>
                   </a:txBody>
-                  <a:tcPr/>
+                  <a:tcPr>
+                    <a:lnL w="12700" cap="flat" cmpd="sng" algn="ctr">
+                      <a:solidFill>
+                        <a:schemeClr val="tx1"/>
+                      </a:solidFill>
+                      <a:prstDash val="solid"/>
+                      <a:round/>
+                      <a:headEnd type="none" w="med" len="med"/>
+                      <a:tailEnd type="none" w="med" len="med"/>
+                    </a:lnL>
+                    <a:lnR w="12700" cap="flat" cmpd="sng" algn="ctr">
+                      <a:solidFill>
+                        <a:schemeClr val="tx1"/>
+                      </a:solidFill>
+                      <a:prstDash val="solid"/>
+                      <a:round/>
+                      <a:headEnd type="none" w="med" len="med"/>
+                      <a:tailEnd type="none" w="med" len="med"/>
+                    </a:lnR>
+                    <a:lnT w="12700" cap="flat" cmpd="sng" algn="ctr">
+                      <a:solidFill>
+                        <a:schemeClr val="tx1"/>
+                      </a:solidFill>
+                      <a:prstDash val="solid"/>
+                      <a:round/>
+                      <a:headEnd type="none" w="med" len="med"/>
+                      <a:tailEnd type="none" w="med" len="med"/>
+                    </a:lnT>
+                    <a:lnB w="12700" cap="flat" cmpd="sng" algn="ctr">
+                      <a:solidFill>
+                        <a:schemeClr val="tx1"/>
+                      </a:solidFill>
+                      <a:prstDash val="solid"/>
+                      <a:round/>
+                      <a:headEnd type="none" w="med" len="med"/>
+                      <a:tailEnd type="none" w="med" len="med"/>
+                    </a:lnB>
+                  </a:tcPr>
                 </a:tc>
                 <a:tc>
                   <a:txBody>
@@ -11964,7 +11569,44 @@
                       </a:endParaRPr>
                     </a:p>
                   </a:txBody>
-                  <a:tcPr/>
+                  <a:tcPr>
+                    <a:lnL w="12700" cap="flat" cmpd="sng" algn="ctr">
+                      <a:solidFill>
+                        <a:schemeClr val="tx1"/>
+                      </a:solidFill>
+                      <a:prstDash val="solid"/>
+                      <a:round/>
+                      <a:headEnd type="none" w="med" len="med"/>
+                      <a:tailEnd type="none" w="med" len="med"/>
+                    </a:lnL>
+                    <a:lnR w="12700" cap="flat" cmpd="sng" algn="ctr">
+                      <a:solidFill>
+                        <a:schemeClr val="tx1"/>
+                      </a:solidFill>
+                      <a:prstDash val="solid"/>
+                      <a:round/>
+                      <a:headEnd type="none" w="med" len="med"/>
+                      <a:tailEnd type="none" w="med" len="med"/>
+                    </a:lnR>
+                    <a:lnT w="12700" cap="flat" cmpd="sng" algn="ctr">
+                      <a:solidFill>
+                        <a:schemeClr val="tx1"/>
+                      </a:solidFill>
+                      <a:prstDash val="solid"/>
+                      <a:round/>
+                      <a:headEnd type="none" w="med" len="med"/>
+                      <a:tailEnd type="none" w="med" len="med"/>
+                    </a:lnT>
+                    <a:lnB w="12700" cap="flat" cmpd="sng" algn="ctr">
+                      <a:solidFill>
+                        <a:schemeClr val="tx1"/>
+                      </a:solidFill>
+                      <a:prstDash val="solid"/>
+                      <a:round/>
+                      <a:headEnd type="none" w="med" len="med"/>
+                      <a:tailEnd type="none" w="med" len="med"/>
+                    </a:lnB>
+                  </a:tcPr>
                 </a:tc>
               </a:tr>
               <a:tr h="450917">
@@ -11987,7 +11629,44 @@
                       </a:endParaRPr>
                     </a:p>
                   </a:txBody>
-                  <a:tcPr/>
+                  <a:tcPr>
+                    <a:lnL w="12700" cap="flat" cmpd="sng" algn="ctr">
+                      <a:solidFill>
+                        <a:schemeClr val="tx1"/>
+                      </a:solidFill>
+                      <a:prstDash val="solid"/>
+                      <a:round/>
+                      <a:headEnd type="none" w="med" len="med"/>
+                      <a:tailEnd type="none" w="med" len="med"/>
+                    </a:lnL>
+                    <a:lnR w="12700" cap="flat" cmpd="sng" algn="ctr">
+                      <a:solidFill>
+                        <a:schemeClr val="tx1"/>
+                      </a:solidFill>
+                      <a:prstDash val="solid"/>
+                      <a:round/>
+                      <a:headEnd type="none" w="med" len="med"/>
+                      <a:tailEnd type="none" w="med" len="med"/>
+                    </a:lnR>
+                    <a:lnT w="12700" cap="flat" cmpd="sng" algn="ctr">
+                      <a:solidFill>
+                        <a:schemeClr val="tx1"/>
+                      </a:solidFill>
+                      <a:prstDash val="solid"/>
+                      <a:round/>
+                      <a:headEnd type="none" w="med" len="med"/>
+                      <a:tailEnd type="none" w="med" len="med"/>
+                    </a:lnT>
+                    <a:lnB w="12700" cap="flat" cmpd="sng" algn="ctr">
+                      <a:solidFill>
+                        <a:schemeClr val="tx1"/>
+                      </a:solidFill>
+                      <a:prstDash val="solid"/>
+                      <a:round/>
+                      <a:headEnd type="none" w="med" len="med"/>
+                      <a:tailEnd type="none" w="med" len="med"/>
+                    </a:lnB>
+                  </a:tcPr>
                 </a:tc>
                 <a:tc>
                   <a:txBody>
@@ -12008,7 +11687,44 @@
                       </a:endParaRPr>
                     </a:p>
                   </a:txBody>
-                  <a:tcPr/>
+                  <a:tcPr>
+                    <a:lnL w="12700" cap="flat" cmpd="sng" algn="ctr">
+                      <a:solidFill>
+                        <a:schemeClr val="tx1"/>
+                      </a:solidFill>
+                      <a:prstDash val="solid"/>
+                      <a:round/>
+                      <a:headEnd type="none" w="med" len="med"/>
+                      <a:tailEnd type="none" w="med" len="med"/>
+                    </a:lnL>
+                    <a:lnR w="12700" cap="flat" cmpd="sng" algn="ctr">
+                      <a:solidFill>
+                        <a:schemeClr val="tx1"/>
+                      </a:solidFill>
+                      <a:prstDash val="solid"/>
+                      <a:round/>
+                      <a:headEnd type="none" w="med" len="med"/>
+                      <a:tailEnd type="none" w="med" len="med"/>
+                    </a:lnR>
+                    <a:lnT w="12700" cap="flat" cmpd="sng" algn="ctr">
+                      <a:solidFill>
+                        <a:schemeClr val="tx1"/>
+                      </a:solidFill>
+                      <a:prstDash val="solid"/>
+                      <a:round/>
+                      <a:headEnd type="none" w="med" len="med"/>
+                      <a:tailEnd type="none" w="med" len="med"/>
+                    </a:lnT>
+                    <a:lnB w="12700" cap="flat" cmpd="sng" algn="ctr">
+                      <a:solidFill>
+                        <a:schemeClr val="tx1"/>
+                      </a:solidFill>
+                      <a:prstDash val="solid"/>
+                      <a:round/>
+                      <a:headEnd type="none" w="med" len="med"/>
+                      <a:tailEnd type="none" w="med" len="med"/>
+                    </a:lnB>
+                  </a:tcPr>
                 </a:tc>
                 <a:tc>
                   <a:txBody>
@@ -12022,13 +11738,249 @@
                       </a:endParaRPr>
                     </a:p>
                   </a:txBody>
-                  <a:tcPr/>
+                  <a:tcPr>
+                    <a:lnL w="12700" cap="flat" cmpd="sng" algn="ctr">
+                      <a:solidFill>
+                        <a:schemeClr val="tx1"/>
+                      </a:solidFill>
+                      <a:prstDash val="solid"/>
+                      <a:round/>
+                      <a:headEnd type="none" w="med" len="med"/>
+                      <a:tailEnd type="none" w="med" len="med"/>
+                    </a:lnL>
+                    <a:lnR w="12700" cap="flat" cmpd="sng" algn="ctr">
+                      <a:solidFill>
+                        <a:schemeClr val="tx1"/>
+                      </a:solidFill>
+                      <a:prstDash val="solid"/>
+                      <a:round/>
+                      <a:headEnd type="none" w="med" len="med"/>
+                      <a:tailEnd type="none" w="med" len="med"/>
+                    </a:lnR>
+                    <a:lnT w="12700" cap="flat" cmpd="sng" algn="ctr">
+                      <a:solidFill>
+                        <a:schemeClr val="tx1"/>
+                      </a:solidFill>
+                      <a:prstDash val="solid"/>
+                      <a:round/>
+                      <a:headEnd type="none" w="med" len="med"/>
+                      <a:tailEnd type="none" w="med" len="med"/>
+                    </a:lnT>
+                    <a:lnB w="12700" cap="flat" cmpd="sng" algn="ctr">
+                      <a:solidFill>
+                        <a:schemeClr val="tx1"/>
+                      </a:solidFill>
+                      <a:prstDash val="solid"/>
+                      <a:round/>
+                      <a:headEnd type="none" w="med" len="med"/>
+                      <a:tailEnd type="none" w="med" len="med"/>
+                    </a:lnB>
+                  </a:tcPr>
                 </a:tc>
               </a:tr>
             </a:tbl>
           </a:graphicData>
         </a:graphic>
       </p:graphicFrame>
+      <p:sp>
+        <p:nvSpPr>
+          <p:cNvPr id="5" name="Rectangle 2"/>
+          <p:cNvSpPr txBox="1">
+            <a:spLocks noChangeArrowheads="1"/>
+          </p:cNvSpPr>
+          <p:nvPr/>
+        </p:nvSpPr>
+        <p:spPr bwMode="auto">
+          <a:xfrm>
+            <a:off x="574675" y="304800"/>
+            <a:ext cx="8001000" cy="1216025"/>
+          </a:xfrm>
+          <a:prstGeom prst="rect">
+            <a:avLst/>
+          </a:prstGeom>
+          <a:noFill/>
+          <a:ln>
+            <a:noFill/>
+          </a:ln>
+          <a:extLst>
+            <a:ext uri="{909E8E84-426E-40DD-AFC4-6F175D3DCCD1}">
+              <a14:hiddenFill xmlns:a14="http://schemas.microsoft.com/office/drawing/2010/main">
+                <a:solidFill>
+                  <a:srgbClr val="FFFFFF"/>
+                </a:solidFill>
+              </a14:hiddenFill>
+            </a:ext>
+            <a:ext uri="{91240B29-F687-4F45-9708-019B960494DF}">
+              <a14:hiddenLine xmlns:a14="http://schemas.microsoft.com/office/drawing/2010/main" w="9525">
+                <a:solidFill>
+                  <a:srgbClr val="000000"/>
+                </a:solidFill>
+                <a:miter lim="800000"/>
+                <a:headEnd/>
+                <a:tailEnd/>
+              </a14:hiddenLine>
+            </a:ext>
+          </a:extLst>
+        </p:spPr>
+        <p:txBody>
+          <a:bodyPr vert="horz" wrap="square" lIns="91440" tIns="45720" rIns="91440" bIns="45720" numCol="1" anchor="b" anchorCtr="0" compatLnSpc="1"/>
+          <a:lstStyle>
+            <a:lvl1pPr algn="l" rtl="0" eaLnBrk="0" fontAlgn="base" hangingPunct="0">
+              <a:spcBef>
+                <a:spcPct val="0"/>
+              </a:spcBef>
+              <a:spcAft>
+                <a:spcPct val="0"/>
+              </a:spcAft>
+              <a:defRPr sz="3800">
+                <a:solidFill>
+                  <a:schemeClr val="tx2"/>
+                </a:solidFill>
+                <a:latin typeface="+mj-lt"/>
+                <a:ea typeface="+mj-ea"/>
+                <a:cs typeface="+mj-cs"/>
+              </a:defRPr>
+            </a:lvl1pPr>
+            <a:lvl2pPr algn="l" rtl="0" eaLnBrk="0" fontAlgn="base" hangingPunct="0">
+              <a:spcBef>
+                <a:spcPct val="0"/>
+              </a:spcBef>
+              <a:spcAft>
+                <a:spcPct val="0"/>
+              </a:spcAft>
+              <a:defRPr sz="3800">
+                <a:solidFill>
+                  <a:schemeClr val="tx2"/>
+                </a:solidFill>
+                <a:latin typeface="Verdana" panose="020B0604030504040204" pitchFamily="34" charset="0"/>
+                <a:ea typeface="宋体" panose="02010600030101010101" pitchFamily="2" charset="-122"/>
+              </a:defRPr>
+            </a:lvl2pPr>
+            <a:lvl3pPr algn="l" rtl="0" eaLnBrk="0" fontAlgn="base" hangingPunct="0">
+              <a:spcBef>
+                <a:spcPct val="0"/>
+              </a:spcBef>
+              <a:spcAft>
+                <a:spcPct val="0"/>
+              </a:spcAft>
+              <a:defRPr sz="3800">
+                <a:solidFill>
+                  <a:schemeClr val="tx2"/>
+                </a:solidFill>
+                <a:latin typeface="Verdana" panose="020B0604030504040204" pitchFamily="34" charset="0"/>
+                <a:ea typeface="宋体" panose="02010600030101010101" pitchFamily="2" charset="-122"/>
+              </a:defRPr>
+            </a:lvl3pPr>
+            <a:lvl4pPr algn="l" rtl="0" eaLnBrk="0" fontAlgn="base" hangingPunct="0">
+              <a:spcBef>
+                <a:spcPct val="0"/>
+              </a:spcBef>
+              <a:spcAft>
+                <a:spcPct val="0"/>
+              </a:spcAft>
+              <a:defRPr sz="3800">
+                <a:solidFill>
+                  <a:schemeClr val="tx2"/>
+                </a:solidFill>
+                <a:latin typeface="Verdana" panose="020B0604030504040204" pitchFamily="34" charset="0"/>
+                <a:ea typeface="宋体" panose="02010600030101010101" pitchFamily="2" charset="-122"/>
+              </a:defRPr>
+            </a:lvl4pPr>
+            <a:lvl5pPr algn="l" rtl="0" eaLnBrk="0" fontAlgn="base" hangingPunct="0">
+              <a:spcBef>
+                <a:spcPct val="0"/>
+              </a:spcBef>
+              <a:spcAft>
+                <a:spcPct val="0"/>
+              </a:spcAft>
+              <a:defRPr sz="3800">
+                <a:solidFill>
+                  <a:schemeClr val="tx2"/>
+                </a:solidFill>
+                <a:latin typeface="Verdana" panose="020B0604030504040204" pitchFamily="34" charset="0"/>
+                <a:ea typeface="宋体" panose="02010600030101010101" pitchFamily="2" charset="-122"/>
+              </a:defRPr>
+            </a:lvl5pPr>
+            <a:lvl6pPr marL="457200" algn="l" rtl="0" fontAlgn="base">
+              <a:spcBef>
+                <a:spcPct val="0"/>
+              </a:spcBef>
+              <a:spcAft>
+                <a:spcPct val="0"/>
+              </a:spcAft>
+              <a:defRPr sz="3800">
+                <a:solidFill>
+                  <a:schemeClr val="tx2"/>
+                </a:solidFill>
+                <a:latin typeface="Verdana" panose="020B0604030504040204" pitchFamily="34" charset="0"/>
+                <a:ea typeface="宋体" panose="02010600030101010101" pitchFamily="2" charset="-122"/>
+              </a:defRPr>
+            </a:lvl6pPr>
+            <a:lvl7pPr marL="914400" algn="l" rtl="0" fontAlgn="base">
+              <a:spcBef>
+                <a:spcPct val="0"/>
+              </a:spcBef>
+              <a:spcAft>
+                <a:spcPct val="0"/>
+              </a:spcAft>
+              <a:defRPr sz="3800">
+                <a:solidFill>
+                  <a:schemeClr val="tx2"/>
+                </a:solidFill>
+                <a:latin typeface="Verdana" panose="020B0604030504040204" pitchFamily="34" charset="0"/>
+                <a:ea typeface="宋体" panose="02010600030101010101" pitchFamily="2" charset="-122"/>
+              </a:defRPr>
+            </a:lvl7pPr>
+            <a:lvl8pPr marL="1371600" algn="l" rtl="0" fontAlgn="base">
+              <a:spcBef>
+                <a:spcPct val="0"/>
+              </a:spcBef>
+              <a:spcAft>
+                <a:spcPct val="0"/>
+              </a:spcAft>
+              <a:defRPr sz="3800">
+                <a:solidFill>
+                  <a:schemeClr val="tx2"/>
+                </a:solidFill>
+                <a:latin typeface="Verdana" panose="020B0604030504040204" pitchFamily="34" charset="0"/>
+                <a:ea typeface="宋体" panose="02010600030101010101" pitchFamily="2" charset="-122"/>
+              </a:defRPr>
+            </a:lvl8pPr>
+            <a:lvl9pPr marL="1828800" algn="l" rtl="0" fontAlgn="base">
+              <a:spcBef>
+                <a:spcPct val="0"/>
+              </a:spcBef>
+              <a:spcAft>
+                <a:spcPct val="0"/>
+              </a:spcAft>
+              <a:defRPr sz="3800">
+                <a:solidFill>
+                  <a:schemeClr val="tx2"/>
+                </a:solidFill>
+                <a:latin typeface="Verdana" panose="020B0604030504040204" pitchFamily="34" charset="0"/>
+                <a:ea typeface="宋体" panose="02010600030101010101" pitchFamily="2" charset="-122"/>
+              </a:defRPr>
+            </a:lvl9pPr>
+          </a:lstStyle>
+          <a:p>
+            <a:pPr eaLnBrk="1" hangingPunct="1"/>
+            <a:r>
+              <a:rPr lang="en-US" altLang="zh-CN" b="1" dirty="0" smtClean="0">
+                <a:latin typeface="黑体" panose="02010609060101010101" pitchFamily="2" charset="-122"/>
+                <a:ea typeface="黑体" panose="02010609060101010101" pitchFamily="2" charset="-122"/>
+              </a:rPr>
+              <a:t>3.7 </a:t>
+            </a:r>
+            <a:r>
+              <a:rPr lang="zh-CN" altLang="en-US" b="1" dirty="0" smtClean="0">
+                <a:latin typeface="黑体" panose="02010609060101010101" pitchFamily="2" charset="-122"/>
+                <a:ea typeface="黑体" panose="02010609060101010101" pitchFamily="2" charset="-122"/>
+              </a:rPr>
+              <a:t>状态迁移法</a:t>
+            </a:r>
+          </a:p>
+        </p:txBody>
+      </p:sp>
     </p:spTree>
     <p:extLst>
       <p:ext uri="{BB962C8B-B14F-4D97-AF65-F5344CB8AC3E}">
@@ -12306,8 +12258,13 @@
             </a:r>
             <a:r>
               <a:rPr lang="zh-CN" altLang="en-US" sz="2700" b="1" dirty="0"/>
-              <a:t>抽取测试用例</a:t>
-            </a:r>
+              <a:t>抽取</a:t>
+            </a:r>
+            <a:r>
+              <a:rPr lang="zh-CN" altLang="en-US" sz="2700" b="1" dirty="0" smtClean="0"/>
+              <a:t>测试用例规则（每个状态至少到达一次）</a:t>
+            </a:r>
+            <a:endParaRPr lang="zh-CN" altLang="en-US" sz="2700" b="1" dirty="0"/>
           </a:p>
         </p:txBody>
       </p:sp>
@@ -12498,26 +12455,15 @@
                 <a:latin typeface="黑体" panose="02010609060101010101" pitchFamily="2" charset="-122"/>
                 <a:ea typeface="黑体" panose="02010609060101010101" pitchFamily="2" charset="-122"/>
               </a:rPr>
-              <a:t>3.8 </a:t>
+              <a:t>3.7 </a:t>
             </a:r>
             <a:r>
               <a:rPr lang="zh-CN" altLang="en-US" b="1" dirty="0" smtClean="0">
                 <a:latin typeface="黑体" panose="02010609060101010101" pitchFamily="2" charset="-122"/>
                 <a:ea typeface="黑体" panose="02010609060101010101" pitchFamily="2" charset="-122"/>
               </a:rPr>
-              <a:t>状态</a:t>
-            </a:r>
-            <a:r>
-              <a:rPr lang="zh-CN" altLang="en-US" b="1" dirty="0" smtClean="0">
-                <a:latin typeface="黑体" panose="02010609060101010101" pitchFamily="2" charset="-122"/>
-                <a:ea typeface="黑体" panose="02010609060101010101" pitchFamily="2" charset="-122"/>
-              </a:rPr>
-              <a:t>迁移法</a:t>
-            </a:r>
-            <a:endParaRPr lang="zh-CN" altLang="en-US" b="1" dirty="0" smtClean="0">
-              <a:latin typeface="黑体" panose="02010609060101010101" pitchFamily="2" charset="-122"/>
-              <a:ea typeface="黑体" panose="02010609060101010101" pitchFamily="2" charset="-122"/>
-            </a:endParaRPr>
+              <a:t>状态迁移法</a:t>
+            </a:r>
           </a:p>
         </p:txBody>
       </p:sp>
@@ -13073,7 +13019,7 @@
                 <a:latin typeface="黑体" panose="02010609060101010101" pitchFamily="2" charset="-122"/>
                 <a:ea typeface="黑体" panose="02010609060101010101" pitchFamily="2" charset="-122"/>
               </a:rPr>
-              <a:t>3.8 </a:t>
+              <a:t>3.7 </a:t>
             </a:r>
             <a:r>
               <a:rPr lang="zh-CN" altLang="en-US" b="1" dirty="0" smtClean="0">
@@ -13081,6 +13027,20 @@
                 <a:ea typeface="黑体" panose="02010609060101010101" pitchFamily="2" charset="-122"/>
               </a:rPr>
               <a:t>状态迁移图</a:t>
+            </a:r>
+            <a:r>
+              <a:rPr lang="en-US" altLang="zh-CN" b="1" dirty="0" smtClean="0">
+                <a:latin typeface="黑体" panose="02010609060101010101" pitchFamily="2" charset="-122"/>
+                <a:ea typeface="黑体" panose="02010609060101010101" pitchFamily="2" charset="-122"/>
+              </a:rPr>
+              <a:t>-</a:t>
+            </a:r>
+            <a:r>
+              <a:rPr lang="zh-CN" altLang="en-US" b="1" dirty="0" smtClean="0">
+                <a:latin typeface="黑体" panose="02010609060101010101" pitchFamily="2" charset="-122"/>
+                <a:ea typeface="黑体" panose="02010609060101010101" pitchFamily="2" charset="-122"/>
+              </a:rPr>
+              <a:t>实例</a:t>
             </a:r>
           </a:p>
         </p:txBody>
@@ -13863,7 +13823,7 @@
                 <a:latin typeface="黑体" panose="02010609060101010101" pitchFamily="2" charset="-122"/>
                 <a:ea typeface="黑体" panose="02010609060101010101" pitchFamily="2" charset="-122"/>
               </a:rPr>
-              <a:t>3.8 </a:t>
+              <a:t>3.7 </a:t>
             </a:r>
             <a:r>
               <a:rPr lang="zh-CN" altLang="en-US" b="1" dirty="0" smtClean="0">
